--- a/presentations/2024 QML REU Poster Chris Su.pptx
+++ b/presentations/2024 QML REU Poster Chris Su.pptx
@@ -5197,7 +5197,7 @@
         </p:nvSpPr>
         <p:spPr bwMode="auto">
           <a:xfrm>
-            <a:off x="7377796" y="1626195"/>
+            <a:off x="7386585" y="1522264"/>
             <a:ext cx="18145219" cy="677212"/>
           </a:xfrm>
           <a:prstGeom prst="rect">
@@ -5483,22 +5483,195 @@
                 <a:ea typeface="+mn-ea"/>
                 <a:cs typeface="+mn-cs"/>
               </a:rPr>
-              <a:t>Your Name, Your Mentors Name(s)</a:t>
-            </a:r>
-            <a:endParaRPr kumimoji="0" lang="en-US" sz="3600" b="0" i="0" u="none" strike="noStrike" kern="1200" cap="none" spc="0" normalizeH="0" baseline="30000" noProof="0" dirty="0">
-              <a:ln>
-                <a:noFill/>
-              </a:ln>
-              <a:solidFill>
-                <a:srgbClr val="292934"/>
-              </a:solidFill>
-              <a:effectLst/>
-              <a:uLnTx/>
-              <a:uFillTx/>
-              <a:latin typeface="Calibri"/>
-              <a:ea typeface="+mn-ea"/>
-              <a:cs typeface="+mn-cs"/>
-            </a:endParaRPr>
+              <a:t>Chris Su</a:t>
+            </a:r>
+            <a:r>
+              <a:rPr kumimoji="0" lang="en-US" sz="3600" b="0" i="0" u="none" strike="noStrike" kern="1200" cap="none" spc="0" normalizeH="0" baseline="30000" noProof="0" dirty="0">
+                <a:ln>
+                  <a:noFill/>
+                </a:ln>
+                <a:solidFill>
+                  <a:srgbClr val="292934"/>
+                </a:solidFill>
+                <a:effectLst/>
+                <a:uLnTx/>
+                <a:uFillTx/>
+                <a:latin typeface="Calibri"/>
+                <a:ea typeface="+mn-ea"/>
+                <a:cs typeface="+mn-cs"/>
+              </a:rPr>
+              <a:t>[1][4]</a:t>
+            </a:r>
+            <a:r>
+              <a:rPr kumimoji="0" lang="en-US" sz="3600" b="0" i="0" u="none" strike="noStrike" kern="1200" cap="none" spc="0" normalizeH="0" baseline="0" noProof="0" dirty="0">
+                <a:ln>
+                  <a:noFill/>
+                </a:ln>
+                <a:solidFill>
+                  <a:srgbClr val="292934"/>
+                </a:solidFill>
+                <a:effectLst/>
+                <a:uLnTx/>
+                <a:uFillTx/>
+                <a:latin typeface="Calibri"/>
+                <a:ea typeface="+mn-ea"/>
+                <a:cs typeface="+mn-cs"/>
+              </a:rPr>
+              <a:t>, Greg </a:t>
+            </a:r>
+            <a:r>
+              <a:rPr kumimoji="0" lang="en-US" sz="3600" b="0" i="0" u="none" strike="noStrike" kern="1200" cap="none" spc="0" normalizeH="0" baseline="0" noProof="0" dirty="0" err="1">
+                <a:ln>
+                  <a:noFill/>
+                </a:ln>
+                <a:solidFill>
+                  <a:srgbClr val="292934"/>
+                </a:solidFill>
+                <a:effectLst/>
+                <a:uLnTx/>
+                <a:uFillTx/>
+                <a:latin typeface="Calibri"/>
+                <a:ea typeface="+mn-ea"/>
+                <a:cs typeface="+mn-cs"/>
+              </a:rPr>
+              <a:t>Vetaw</a:t>
+            </a:r>
+            <a:r>
+              <a:rPr kumimoji="0" lang="en-US" sz="3600" b="0" i="0" u="none" strike="noStrike" kern="1200" cap="none" spc="0" normalizeH="0" baseline="30000" noProof="0" dirty="0">
+                <a:ln>
+                  <a:noFill/>
+                </a:ln>
+                <a:solidFill>
+                  <a:srgbClr val="292934"/>
+                </a:solidFill>
+                <a:effectLst/>
+                <a:uLnTx/>
+                <a:uFillTx/>
+                <a:latin typeface="Calibri"/>
+                <a:ea typeface="+mn-ea"/>
+                <a:cs typeface="+mn-cs"/>
+              </a:rPr>
+              <a:t>[1][3]</a:t>
+            </a:r>
+            <a:r>
+              <a:rPr kumimoji="0" lang="en-US" sz="3600" b="0" i="0" u="none" strike="noStrike" kern="1200" cap="none" spc="0" normalizeH="0" baseline="0" noProof="0" dirty="0">
+                <a:ln>
+                  <a:noFill/>
+                </a:ln>
+                <a:solidFill>
+                  <a:srgbClr val="292934"/>
+                </a:solidFill>
+                <a:effectLst/>
+                <a:uLnTx/>
+                <a:uFillTx/>
+                <a:latin typeface="Calibri"/>
+                <a:ea typeface="+mn-ea"/>
+                <a:cs typeface="+mn-cs"/>
+              </a:rPr>
+              <a:t>, Glen Uehara</a:t>
+            </a:r>
+            <a:r>
+              <a:rPr kumimoji="0" lang="en-US" sz="3600" b="0" i="0" u="none" strike="noStrike" kern="1200" cap="none" spc="0" normalizeH="0" baseline="30000" noProof="0" dirty="0">
+                <a:ln>
+                  <a:noFill/>
+                </a:ln>
+                <a:solidFill>
+                  <a:srgbClr val="292934"/>
+                </a:solidFill>
+                <a:effectLst/>
+                <a:uLnTx/>
+                <a:uFillTx/>
+                <a:latin typeface="Calibri"/>
+                <a:ea typeface="+mn-ea"/>
+                <a:cs typeface="+mn-cs"/>
+              </a:rPr>
+              <a:t>[2][3]</a:t>
+            </a:r>
+            <a:r>
+              <a:rPr kumimoji="0" lang="en-US" sz="3600" b="0" i="0" u="none" strike="noStrike" kern="1200" cap="none" spc="0" normalizeH="0" baseline="0" noProof="0" dirty="0">
+                <a:ln>
+                  <a:noFill/>
+                </a:ln>
+                <a:solidFill>
+                  <a:srgbClr val="292934"/>
+                </a:solidFill>
+                <a:effectLst/>
+                <a:uLnTx/>
+                <a:uFillTx/>
+                <a:latin typeface="Calibri"/>
+                <a:ea typeface="+mn-ea"/>
+                <a:cs typeface="+mn-cs"/>
+              </a:rPr>
+              <a:t>, Dr. Suren Jayasuriya</a:t>
+            </a:r>
+            <a:r>
+              <a:rPr kumimoji="0" lang="en-US" sz="3600" b="0" i="0" u="none" strike="noStrike" kern="1200" cap="none" spc="0" normalizeH="0" baseline="30000" noProof="0" dirty="0">
+                <a:ln>
+                  <a:noFill/>
+                </a:ln>
+                <a:solidFill>
+                  <a:srgbClr val="292934"/>
+                </a:solidFill>
+                <a:effectLst/>
+                <a:uLnTx/>
+                <a:uFillTx/>
+                <a:latin typeface="Calibri"/>
+                <a:ea typeface="+mn-ea"/>
+                <a:cs typeface="+mn-cs"/>
+              </a:rPr>
+              <a:t>[1][3]</a:t>
+            </a:r>
+            <a:r>
+              <a:rPr kumimoji="0" lang="en-US" sz="3600" b="0" i="0" u="none" strike="noStrike" kern="1200" cap="none" spc="0" normalizeH="0" baseline="0" noProof="0" dirty="0">
+                <a:ln>
+                  <a:noFill/>
+                </a:ln>
+                <a:solidFill>
+                  <a:srgbClr val="292934"/>
+                </a:solidFill>
+                <a:effectLst/>
+                <a:uLnTx/>
+                <a:uFillTx/>
+                <a:latin typeface="Calibri"/>
+                <a:ea typeface="+mn-ea"/>
+                <a:cs typeface="+mn-cs"/>
+              </a:rPr>
+              <a:t>, Dr. Andreas </a:t>
+            </a:r>
+            <a:r>
+              <a:rPr kumimoji="0" lang="en-US" sz="3600" b="0" i="0" u="none" strike="noStrike" kern="1200" cap="none" spc="0" normalizeH="0" baseline="0" noProof="0" dirty="0" err="1">
+                <a:ln>
+                  <a:noFill/>
+                </a:ln>
+                <a:solidFill>
+                  <a:srgbClr val="292934"/>
+                </a:solidFill>
+                <a:effectLst/>
+                <a:uLnTx/>
+                <a:uFillTx/>
+                <a:latin typeface="Calibri"/>
+                <a:ea typeface="+mn-ea"/>
+                <a:cs typeface="+mn-cs"/>
+              </a:rPr>
+              <a:t>Spanias</a:t>
+            </a:r>
+            <a:r>
+              <a:rPr kumimoji="0" lang="en-US" sz="3600" b="0" i="0" u="none" strike="noStrike" kern="1200" cap="none" spc="0" normalizeH="0" baseline="30000" noProof="0" dirty="0">
+                <a:ln>
+                  <a:noFill/>
+                </a:ln>
+                <a:solidFill>
+                  <a:srgbClr val="292934"/>
+                </a:solidFill>
+                <a:effectLst/>
+                <a:uLnTx/>
+                <a:uFillTx/>
+                <a:latin typeface="Calibri"/>
+                <a:ea typeface="+mn-ea"/>
+                <a:cs typeface="+mn-cs"/>
+              </a:rPr>
+              <a:t>[2][3]</a:t>
+            </a:r>
           </a:p>
         </p:txBody>
       </p:sp>
@@ -5512,8 +5685,8 @@
         </p:nvSpPr>
         <p:spPr>
           <a:xfrm>
-            <a:off x="838200" y="4634119"/>
-            <a:ext cx="10145966" cy="3842649"/>
+            <a:off x="647649" y="4730104"/>
+            <a:ext cx="10823476" cy="5248981"/>
           </a:xfrm>
           <a:prstGeom prst="rect">
             <a:avLst/>
@@ -5722,7 +5895,7 @@
             </a:pPr>
             <a:r>
               <a:rPr lang="en-US" sz="3600" dirty="0"/>
-              <a:t>I am some placeholder text so that you can see what this would look like if I were filled in.</a:t>
+              <a:t>Preprocessing data is crucial for the performance of many statistical techniques including machine learning algorithms. </a:t>
             </a:r>
           </a:p>
           <a:p>
@@ -5733,61 +5906,8 @@
             </a:pPr>
             <a:r>
               <a:rPr lang="en-US" sz="3600" dirty="0"/>
-              <a:t>Please don’t make text much smaller than this font or we won’t be able to read it on a poster.</a:t>
-            </a:r>
-          </a:p>
-          <a:p>
-            <a:pPr>
-              <a:lnSpc>
-                <a:spcPct val="80000"/>
-              </a:lnSpc>
-            </a:pPr>
-            <a:r>
-              <a:rPr lang="en-US" sz="3600" dirty="0"/>
-              <a:t>I am more placeholder text. Don’t I look super amazing?   </a:t>
-            </a:r>
-            <a:r>
-              <a:rPr lang="en-US" sz="3600" dirty="0">
-                <a:solidFill>
-                  <a:srgbClr val="FF0000"/>
-                </a:solidFill>
-              </a:rPr>
-              <a:t>(use SenSIP facility </a:t>
-            </a:r>
-            <a:r>
-              <a:rPr lang="en-US" sz="3600" dirty="0" err="1">
-                <a:solidFill>
-                  <a:srgbClr val="FF0000"/>
-                </a:solidFill>
-              </a:rPr>
-              <a:t>pic</a:t>
-            </a:r>
-            <a:r>
-              <a:rPr lang="en-US" sz="3600" dirty="0">
-                <a:solidFill>
-                  <a:srgbClr val="FF0000"/>
-                </a:solidFill>
-              </a:rPr>
-              <a:t> if possible)</a:t>
-            </a:r>
-            <a:endParaRPr lang="en-US" sz="3600" b="1" dirty="0"/>
-          </a:p>
-          <a:p>
-            <a:pPr marL="1030288" indent="0">
-              <a:buNone/>
-            </a:pPr>
-            <a:endParaRPr lang="en-US" sz="3200" b="1" dirty="0"/>
-          </a:p>
-          <a:p>
-            <a:pPr marL="1030288" indent="0">
-              <a:buNone/>
-            </a:pPr>
-            <a:endParaRPr lang="en-US" sz="3200" b="1" dirty="0"/>
-          </a:p>
-          <a:p>
-            <a:pPr marL="1030288" indent="0">
-              <a:buNone/>
-            </a:pPr>
+              <a:t>With improvements in quantum fidelity in recent years, we investigate a hybrid preprocessing architecture for increased efficiency and accuracy* in SAS/R* classification and detection tasks. </a:t>
+            </a:r>
             <a:endParaRPr lang="en-US" sz="3200" b="1" dirty="0"/>
           </a:p>
           <a:p>
@@ -5911,7 +6031,7 @@
         </p:nvSpPr>
         <p:spPr bwMode="auto">
           <a:xfrm>
-            <a:off x="1019908" y="19919208"/>
+            <a:off x="1019908" y="20006353"/>
             <a:ext cx="30860998" cy="45153"/>
           </a:xfrm>
           <a:prstGeom prst="line">
@@ -5955,17 +6075,76 @@
               <a:tabLst/>
               <a:defRPr/>
             </a:pPr>
-            <a:endParaRPr kumimoji="0" lang="en-US" sz="3456" b="0" i="0" u="none" strike="noStrike" kern="0" cap="none" spc="0" normalizeH="0" baseline="0" noProof="0">
-              <a:ln>
-                <a:noFill/>
-              </a:ln>
-              <a:solidFill>
-                <a:srgbClr val="292934"/>
-              </a:solidFill>
-              <a:effectLst/>
-              <a:uLnTx/>
-              <a:uFillTx/>
-            </a:endParaRPr>
+            <a:r>
+              <a:rPr kumimoji="0" lang="en-US" sz="2400" b="0" i="0" u="none" strike="noStrike" kern="0" cap="none" spc="0" normalizeH="0" baseline="0" noProof="0" dirty="0">
+                <a:ln>
+                  <a:noFill/>
+                </a:ln>
+                <a:solidFill>
+                  <a:srgbClr val="292934"/>
+                </a:solidFill>
+                <a:effectLst/>
+                <a:uLnTx/>
+                <a:uFillTx/>
+              </a:rPr>
+              <a:t>*SAS/R: </a:t>
+            </a:r>
+            <a:r>
+              <a:rPr kumimoji="0" lang="en-US" sz="2400" b="0" i="0" u="none" strike="noStrike" kern="0" cap="none" spc="0" normalizeH="0" baseline="0" noProof="0" dirty="0" err="1">
+                <a:ln>
+                  <a:noFill/>
+                </a:ln>
+                <a:solidFill>
+                  <a:srgbClr val="292934"/>
+                </a:solidFill>
+                <a:effectLst/>
+                <a:uLnTx/>
+                <a:uFillTx/>
+              </a:rPr>
+              <a:t>Synethetic</a:t>
+            </a:r>
+            <a:r>
+              <a:rPr kumimoji="0" lang="en-US" sz="2400" b="0" i="0" u="none" strike="noStrike" kern="0" cap="none" spc="0" normalizeH="0" baseline="0" noProof="0" dirty="0">
+                <a:ln>
+                  <a:noFill/>
+                </a:ln>
+                <a:solidFill>
+                  <a:srgbClr val="292934"/>
+                </a:solidFill>
+                <a:effectLst/>
+                <a:uLnTx/>
+                <a:uFillTx/>
+              </a:rPr>
+              <a:t> Aperture Sonar / Radar; accuracy* refers to a general metric on model performance, </a:t>
+            </a:r>
+            <a:r>
+              <a:rPr kumimoji="0" lang="en-US" sz="2400" b="0" i="0" u="none" strike="noStrike" kern="0" cap="none" spc="0" normalizeH="0" baseline="0" noProof="0" dirty="0" err="1">
+                <a:ln>
+                  <a:noFill/>
+                </a:ln>
+                <a:solidFill>
+                  <a:srgbClr val="292934"/>
+                </a:solidFill>
+                <a:effectLst/>
+                <a:uLnTx/>
+                <a:uFillTx/>
+              </a:rPr>
+              <a:t>i.e</a:t>
+            </a:r>
+            <a:r>
+              <a:rPr kumimoji="0" lang="en-US" sz="2400" b="0" i="0" u="none" strike="noStrike" kern="0" cap="none" spc="0" normalizeH="0" baseline="0" noProof="0" dirty="0">
+                <a:ln>
+                  <a:noFill/>
+                </a:ln>
+                <a:solidFill>
+                  <a:srgbClr val="292934"/>
+                </a:solidFill>
+                <a:effectLst/>
+                <a:uLnTx/>
+                <a:uFillTx/>
+              </a:rPr>
+              <a:t>: for classification tasks, we refer to PRAUC score</a:t>
+            </a:r>
           </a:p>
         </p:txBody>
       </p:sp>
@@ -5990,7 +6169,7 @@
         </p:blipFill>
         <p:spPr bwMode="auto">
           <a:xfrm>
-            <a:off x="26396309" y="852405"/>
+            <a:off x="27159980" y="1393277"/>
             <a:ext cx="5044006" cy="2286000"/>
           </a:xfrm>
           <a:prstGeom prst="rect">
@@ -6375,7 +6554,7 @@
         </p:nvSpPr>
         <p:spPr bwMode="auto">
           <a:xfrm>
-            <a:off x="1019907" y="3471241"/>
+            <a:off x="1019907" y="2336323"/>
             <a:ext cx="30860999" cy="0"/>
           </a:xfrm>
           <a:prstGeom prst="line">
@@ -6443,8 +6622,8 @@
         </p:nvSpPr>
         <p:spPr bwMode="auto">
           <a:xfrm>
-            <a:off x="8131567" y="2869723"/>
-            <a:ext cx="16837603" cy="864077"/>
+            <a:off x="6114087" y="2958323"/>
+            <a:ext cx="21045893" cy="864077"/>
           </a:xfrm>
           <a:prstGeom prst="rect">
             <a:avLst/>
@@ -6680,7 +6859,41 @@
                 <a:ea typeface="+mn-ea"/>
                 <a:cs typeface="+mn-cs"/>
               </a:rPr>
-              <a:t>SenSIP Center, School of ECEE, Arizona State University </a:t>
+              <a:t>[1]Imaging Lyceum Lab, [2] </a:t>
+            </a:r>
+            <a:r>
+              <a:rPr kumimoji="0" lang="en-US" sz="3600" b="0" i="1" u="none" strike="noStrike" kern="1200" cap="none" spc="0" normalizeH="0" baseline="0" noProof="0" dirty="0" err="1">
+                <a:ln>
+                  <a:noFill/>
+                </a:ln>
+                <a:solidFill>
+                  <a:srgbClr val="292934"/>
+                </a:solidFill>
+                <a:effectLst/>
+                <a:uLnTx/>
+                <a:uFillTx/>
+                <a:latin typeface="Calibri"/>
+                <a:ea typeface="+mn-ea"/>
+                <a:cs typeface="+mn-cs"/>
+              </a:rPr>
+              <a:t>SenSIP</a:t>
+            </a:r>
+            <a:r>
+              <a:rPr kumimoji="0" lang="en-US" sz="3600" b="0" i="1" u="none" strike="noStrike" kern="1200" cap="none" spc="0" normalizeH="0" baseline="0" noProof="0" dirty="0">
+                <a:ln>
+                  <a:noFill/>
+                </a:ln>
+                <a:solidFill>
+                  <a:srgbClr val="292934"/>
+                </a:solidFill>
+                <a:effectLst/>
+                <a:uLnTx/>
+                <a:uFillTx/>
+                <a:latin typeface="Calibri"/>
+                <a:ea typeface="+mn-ea"/>
+                <a:cs typeface="+mn-cs"/>
+              </a:rPr>
+              <a:t> Center, [3] Arizona State University, [4] Carnegie Mellon University</a:t>
             </a:r>
             <a:endParaRPr kumimoji="0" lang="en-US" sz="3600" b="0" i="1" u="none" strike="noStrike" kern="1200" cap="none" spc="0" normalizeH="0" baseline="30000" noProof="0" dirty="0">
               <a:ln>
@@ -6985,7 +7198,7 @@
         </p:nvSpPr>
         <p:spPr>
           <a:xfrm>
-            <a:off x="11377421" y="16952418"/>
+            <a:off x="11177958" y="16187850"/>
             <a:ext cx="10145967" cy="762675"/>
           </a:xfrm>
           <a:prstGeom prst="round1Rect">
@@ -7498,7 +7711,7 @@
                 <a:ea typeface="+mn-ea"/>
                 <a:cs typeface="+mn-cs"/>
               </a:rPr>
-              <a:t>Methods &amp; Materials</a:t>
+              <a:t>PROPOSED ARCHITECTURE</a:t>
             </a:r>
           </a:p>
         </p:txBody>
@@ -7517,8 +7730,8 @@
         </p:nvSpPr>
         <p:spPr>
           <a:xfrm>
-            <a:off x="3905395" y="452467"/>
-            <a:ext cx="25107605" cy="1077218"/>
+            <a:off x="3905391" y="236103"/>
+            <a:ext cx="25107605" cy="1107996"/>
           </a:xfrm>
           <a:prstGeom prst="rect">
             <a:avLst/>
@@ -7532,12 +7745,8 @@
           <a:p>
             <a:pPr algn="ctr"/>
             <a:r>
-              <a:rPr lang="en-US" sz="6400" b="1" dirty="0">
-                <a:latin typeface="Calibri" panose="020F0502020204030204" pitchFamily="34" charset="0"/>
-                <a:ea typeface="Calibri" panose="020F0502020204030204" pitchFamily="34" charset="0"/>
-                <a:cs typeface="Times New Roman" panose="02020603050405020304" pitchFamily="18" charset="0"/>
-              </a:rPr>
-              <a:t>Research Title Goes Here</a:t>
+              <a:rPr lang="en-US" sz="6600" b="1" dirty="0"/>
+              <a:t>Preprocessing Optimization for SAS/R* Classification and Detection</a:t>
             </a:r>
             <a:endParaRPr lang="en-US" sz="6400" dirty="0"/>
           </a:p>
@@ -7559,7 +7768,7 @@
         </p:nvSpPr>
         <p:spPr>
           <a:xfrm>
-            <a:off x="838200" y="12087215"/>
+            <a:off x="838199" y="8511818"/>
             <a:ext cx="10145967" cy="762675"/>
           </a:xfrm>
           <a:prstGeom prst="round1Rect">
@@ -7832,7 +8041,7 @@
         </p:nvSpPr>
         <p:spPr>
           <a:xfrm>
-            <a:off x="21934232" y="12148902"/>
+            <a:off x="21963206" y="13092991"/>
             <a:ext cx="10145967" cy="762675"/>
           </a:xfrm>
           <a:prstGeom prst="round1Rect">
@@ -8075,7 +8284,7 @@
                 <a:ea typeface="+mn-ea"/>
                 <a:cs typeface="+mn-cs"/>
               </a:rPr>
-              <a:t>Conclusions</a:t>
+              <a:t>CHALLENGES / Conclusions</a:t>
             </a:r>
           </a:p>
         </p:txBody>
@@ -8136,7 +8345,7 @@
         </p:nvSpPr>
         <p:spPr>
           <a:xfrm>
-            <a:off x="11386216" y="4657158"/>
+            <a:off x="11386216" y="4687289"/>
             <a:ext cx="10145966" cy="3842649"/>
           </a:xfrm>
           <a:prstGeom prst="rect">
@@ -8346,56 +8555,56 @@
             </a:pPr>
             <a:r>
               <a:rPr lang="en-US" sz="3600" dirty="0"/>
-              <a:t>I am some placeholder text so that you can see what this would look like if I were filled in.</a:t>
-            </a:r>
-          </a:p>
-          <a:p>
-            <a:pPr>
-              <a:lnSpc>
-                <a:spcPct val="80000"/>
-              </a:lnSpc>
-            </a:pPr>
+              <a:t>A 3D SAS cube is fed into a quantum convolutional circuit with k*k*k kernel size to produce </a:t>
+            </a:r>
+            <a:r>
+              <a:rPr lang="en-US" sz="3600" i="1" dirty="0"/>
+              <a:t>f</a:t>
+            </a:r>
             <a:r>
               <a:rPr lang="en-US" sz="3600" dirty="0"/>
-              <a:t>Please don’t make text much smaller than this font or we won’t be able to read it on a poster.</a:t>
-            </a:r>
-          </a:p>
-          <a:p>
-            <a:pPr>
-              <a:lnSpc>
-                <a:spcPct val="80000"/>
-              </a:lnSpc>
-            </a:pPr>
+              <a:t>  filtered data cubes. Together, with the </a:t>
+            </a:r>
+            <a:r>
+              <a:rPr lang="en-US" sz="3600" b="1" dirty="0"/>
+              <a:t>V</a:t>
+            </a:r>
             <a:r>
               <a:rPr lang="en-US" sz="3600" dirty="0"/>
-              <a:t>I am more placeholder text. Don’t I look super amazing?</a:t>
-            </a:r>
-          </a:p>
-          <a:p>
-            <a:pPr>
-              <a:lnSpc>
-                <a:spcPct val="80000"/>
-              </a:lnSpc>
-            </a:pPr>
-            <a:r>
-              <a:rPr lang="en-US" sz="3600" dirty="0">
-                <a:solidFill>
-                  <a:srgbClr val="FF0000"/>
-                </a:solidFill>
-              </a:rPr>
-              <a:t>First two columns on research</a:t>
-            </a:r>
-          </a:p>
-          <a:p>
-            <a:pPr marL="1030288" indent="0">
-              <a:buNone/>
-            </a:pPr>
-            <a:endParaRPr lang="en-US" sz="3200" b="1" dirty="0"/>
-          </a:p>
-          <a:p>
-            <a:pPr marL="1030288" indent="0">
-              <a:buNone/>
-            </a:pPr>
+              <a:t>olumetric </a:t>
+            </a:r>
+            <a:r>
+              <a:rPr lang="en-US" sz="3600" b="1" dirty="0"/>
+              <a:t>H</a:t>
+            </a:r>
+            <a:r>
+              <a:rPr lang="en-US" sz="3600" dirty="0"/>
+              <a:t>adamard </a:t>
+            </a:r>
+            <a:r>
+              <a:rPr lang="en-US" sz="3600" b="1" dirty="0"/>
+              <a:t>N</a:t>
+            </a:r>
+            <a:r>
+              <a:rPr lang="en-US" sz="3600" dirty="0"/>
+              <a:t>ormalized, (eq pictured in </a:t>
+            </a:r>
+            <a:r>
+              <a:rPr lang="en-US" sz="3600" b="1" dirty="0"/>
+              <a:t>Fig 3</a:t>
+            </a:r>
+            <a:r>
+              <a:rPr lang="en-US" sz="3600" dirty="0"/>
+              <a:t>)</a:t>
+            </a:r>
+            <a:r>
+              <a:rPr lang="en-US" sz="3600" b="1" dirty="0"/>
+              <a:t> </a:t>
+            </a:r>
+            <a:r>
+              <a:rPr lang="en-US" sz="3600" dirty="0"/>
+              <a:t> the CNN classifies targets and non targets. </a:t>
+            </a:r>
             <a:endParaRPr lang="en-US" sz="3200" b="1" dirty="0"/>
           </a:p>
           <a:p>
@@ -8467,8 +8676,8 @@
         </p:nvSpPr>
         <p:spPr>
           <a:xfrm>
-            <a:off x="21934232" y="4721760"/>
-            <a:ext cx="10145966" cy="3842649"/>
+            <a:off x="21934230" y="4588666"/>
+            <a:ext cx="10145966" cy="4605807"/>
           </a:xfrm>
           <a:prstGeom prst="rect">
             <a:avLst/>
@@ -8676,9 +8885,30 @@
               </a:lnSpc>
             </a:pPr>
             <a:r>
+              <a:rPr lang="en-US" sz="3600" b="1" dirty="0"/>
+              <a:t>Fig 4</a:t>
+            </a:r>
+            <a:r>
               <a:rPr lang="en-US" sz="3600" dirty="0"/>
-              <a:t>I am some placeholder text so that you can see what this would look like if I were filled in.</a:t>
-            </a:r>
+              <a:t> shows preliminary testing with a small subset of the MNIST dataset for a purely quantum preprocessing layer. The accuracy is graphed as a function of number of filters </a:t>
+            </a:r>
+            <a:r>
+              <a:rPr lang="en-US" sz="3600" i="1" dirty="0"/>
+              <a:t>3f</a:t>
+            </a:r>
+            <a:r>
+              <a:rPr lang="en-US" sz="3600" dirty="0"/>
+              <a:t>. </a:t>
+            </a:r>
+          </a:p>
+          <a:p>
+            <a:pPr marL="0" indent="0">
+              <a:lnSpc>
+                <a:spcPct val="80000"/>
+              </a:lnSpc>
+              <a:buNone/>
+            </a:pPr>
+            <a:endParaRPr lang="en-US" sz="3600" dirty="0"/>
           </a:p>
           <a:p>
             <a:pPr>
@@ -8687,38 +8917,13 @@
               </a:lnSpc>
             </a:pPr>
             <a:r>
+              <a:rPr lang="en-US" sz="3600" b="1" dirty="0"/>
+              <a:t>Fig 5</a:t>
+            </a:r>
+            <a:r>
               <a:rPr lang="en-US" sz="3600" dirty="0"/>
-              <a:t>Please don’t make text much smaller than this font or we won’t be able to read it on a poster.</a:t>
-            </a:r>
-          </a:p>
-          <a:p>
-            <a:pPr>
-              <a:lnSpc>
-                <a:spcPct val="80000"/>
-              </a:lnSpc>
-            </a:pPr>
-            <a:r>
-              <a:rPr lang="en-US" sz="3600" dirty="0"/>
-              <a:t>I am more placeholder text. Don’t I look super amazing?</a:t>
-            </a:r>
-            <a:endParaRPr lang="en-US" sz="3200" b="1" dirty="0"/>
-          </a:p>
-          <a:p>
-            <a:pPr marL="1030288" indent="0">
-              <a:buNone/>
-            </a:pPr>
-            <a:endParaRPr lang="en-US" sz="3200" b="1" dirty="0"/>
-          </a:p>
-          <a:p>
-            <a:pPr marL="1030288" indent="0">
-              <a:buNone/>
-            </a:pPr>
-            <a:endParaRPr lang="en-US" sz="3200" b="1" dirty="0"/>
-          </a:p>
-          <a:p>
-            <a:pPr marL="1030288" indent="0">
-              <a:buNone/>
-            </a:pPr>
+              <a:t> is the baseline results for a purely classical algorithm with and without the VHN preprocessing layer on a small subset of the SVSS dataset (3D SAS Cubes). </a:t>
+            </a:r>
             <a:endParaRPr lang="en-US" sz="3200" b="1" dirty="0"/>
           </a:p>
           <a:p>
@@ -8769,8 +8974,8 @@
         </p:nvSpPr>
         <p:spPr>
           <a:xfrm>
-            <a:off x="838200" y="12810392"/>
-            <a:ext cx="10145966" cy="3842649"/>
+            <a:off x="647649" y="13092494"/>
+            <a:ext cx="10145966" cy="5846926"/>
           </a:xfrm>
           <a:prstGeom prst="rect">
             <a:avLst/>
@@ -8979,7 +9184,7 @@
             </a:pPr>
             <a:r>
               <a:rPr lang="en-US" sz="3600" dirty="0"/>
-              <a:t>I am some placeholder text so that you can see what this would look like if I were filled in.</a:t>
+              <a:t>Machine Learning is one of the most effective tools in classifying and detecting targets from non-targets, when data often contains many clutter objects or when data is produced by weak acoustic signals. [2]</a:t>
             </a:r>
           </a:p>
           <a:p>
@@ -8990,83 +9195,8 @@
             </a:pPr>
             <a:r>
               <a:rPr lang="en-US" sz="3600" dirty="0"/>
-              <a:t>Please don’t make text much smaller than this font or we won’t be able to read it on a poster.</a:t>
-            </a:r>
-          </a:p>
-          <a:p>
-            <a:pPr>
-              <a:lnSpc>
-                <a:spcPct val="80000"/>
-              </a:lnSpc>
-            </a:pPr>
-            <a:r>
-              <a:rPr lang="en-US" sz="3600" dirty="0"/>
-              <a:t>I am more placeholder text. Don’t I look super amazing?</a:t>
-            </a:r>
-            <a:endParaRPr lang="en-US" sz="3600" b="1" dirty="0"/>
-          </a:p>
-          <a:p>
-            <a:pPr marL="1030288" indent="0">
-              <a:buNone/>
-            </a:pPr>
-            <a:endParaRPr lang="en-US" sz="3200" b="1" dirty="0"/>
-          </a:p>
-          <a:p>
-            <a:pPr marL="1030288" indent="0">
-              <a:buNone/>
-            </a:pPr>
-            <a:endParaRPr lang="en-US" sz="3200" b="1" dirty="0"/>
-          </a:p>
-          <a:p>
-            <a:pPr marL="1030288" indent="0">
-              <a:buNone/>
-            </a:pPr>
-            <a:endParaRPr lang="en-US" sz="3200" b="1" dirty="0"/>
-          </a:p>
-          <a:p>
-            <a:pPr marL="1030288" indent="0">
-              <a:buNone/>
-            </a:pPr>
-            <a:endParaRPr lang="en-US" sz="3200" b="1" dirty="0"/>
-          </a:p>
-          <a:p>
-            <a:pPr marL="1030288" indent="0">
-              <a:buNone/>
-            </a:pPr>
-            <a:endParaRPr lang="en-US" sz="3200" b="1" dirty="0"/>
-          </a:p>
-          <a:p>
-            <a:pPr marL="1030288" indent="0">
-              <a:buNone/>
-            </a:pPr>
-            <a:endParaRPr lang="en-US" sz="3200" b="1" dirty="0"/>
-          </a:p>
-          <a:p>
-            <a:pPr marL="1030288" indent="0">
-              <a:buNone/>
-            </a:pPr>
-            <a:endParaRPr lang="en-US" sz="3200" b="1" dirty="0"/>
-          </a:p>
-          <a:p>
-            <a:pPr marL="1030288" indent="0">
-              <a:buNone/>
-            </a:pPr>
-            <a:endParaRPr lang="en-US" sz="3200" b="1" dirty="0"/>
-          </a:p>
-          <a:p>
-            <a:pPr marL="1030288" indent="0">
-              <a:buNone/>
-            </a:pPr>
-            <a:endParaRPr lang="en-US" sz="1050" b="1" dirty="0"/>
-          </a:p>
-          <a:p>
-            <a:pPr marL="454025" indent="0">
-              <a:lnSpc>
-                <a:spcPct val="110000"/>
-              </a:lnSpc>
-              <a:buNone/>
-            </a:pPr>
-            <a:endParaRPr lang="en-US" sz="3200" b="1" dirty="0"/>
+              <a:t>We investigate applications of a VHN preprocessing layer [1] with quantum convolutional kernels in CNN-based architectures.</a:t>
+            </a:r>
           </a:p>
         </p:txBody>
       </p:sp>
@@ -9086,8 +9216,8 @@
         </p:nvSpPr>
         <p:spPr>
           <a:xfrm>
-            <a:off x="21934230" y="12830738"/>
-            <a:ext cx="10145966" cy="3842649"/>
+            <a:off x="21934230" y="13864227"/>
+            <a:ext cx="10145966" cy="5185395"/>
           </a:xfrm>
           <a:prstGeom prst="rect">
             <a:avLst/>
@@ -9296,7 +9426,7 @@
             </a:pPr>
             <a:r>
               <a:rPr lang="en-US" sz="3600" dirty="0"/>
-              <a:t>I am some placeholder text so that you can see what this would look like if I were filled in.</a:t>
+              <a:t>Current quantum simulations take a tedious amount of time to run. </a:t>
             </a:r>
           </a:p>
           <a:p>
@@ -9307,7 +9437,7 @@
             </a:pPr>
             <a:r>
               <a:rPr lang="en-US" sz="3600" dirty="0"/>
-              <a:t>Please don’t make text much smaller than this font or we won’t be able to read it on a poster.</a:t>
+              <a:t>Our models that implement hybrid architecture have been limited to testing on smaller datasets, but future works will begin testing / simulating with larger datasets soon</a:t>
             </a:r>
           </a:p>
           <a:p>
@@ -9318,12 +9448,40 @@
             </a:pPr>
             <a:r>
               <a:rPr lang="en-US" sz="3600" dirty="0"/>
-              <a:t>I am more placeholder text. Don’t I look super amazing?</a:t>
-            </a:r>
-            <a:endParaRPr lang="en-US" sz="3200" b="1" dirty="0"/>
-          </a:p>
-          <a:p>
-            <a:pPr marL="1030288" indent="0">
+              <a:t>Future research will look into preprocessing layers for 2D SAR detection</a:t>
+            </a:r>
+          </a:p>
+          <a:p>
+            <a:pPr>
+              <a:lnSpc>
+                <a:spcPct val="80000"/>
+              </a:lnSpc>
+            </a:pPr>
+            <a:endParaRPr lang="en-US" sz="3600" dirty="0"/>
+          </a:p>
+          <a:p>
+            <a:pPr marL="0" indent="0">
+              <a:lnSpc>
+                <a:spcPct val="80000"/>
+              </a:lnSpc>
+              <a:buNone/>
+            </a:pPr>
+            <a:endParaRPr lang="en-US" sz="3600" dirty="0"/>
+          </a:p>
+          <a:p>
+            <a:pPr marL="0" indent="0">
+              <a:lnSpc>
+                <a:spcPct val="80000"/>
+              </a:lnSpc>
+              <a:buNone/>
+            </a:pPr>
+            <a:endParaRPr lang="en-US" sz="3600" dirty="0"/>
+          </a:p>
+          <a:p>
+            <a:pPr marL="0" indent="0">
+              <a:lnSpc>
+                <a:spcPct val="80000"/>
+              </a:lnSpc>
               <a:buNone/>
             </a:pPr>
             <a:endParaRPr lang="en-US" sz="3200" b="1" dirty="0"/>
@@ -9383,62 +9541,180 @@
       </p:sp>
       <p:sp>
         <p:nvSpPr>
-          <p:cNvPr id="7" name="Rectangle 6">
+          <p:cNvPr id="39" name="TextBox 38">
             <a:extLst>
               <a:ext uri="{FF2B5EF4-FFF2-40B4-BE49-F238E27FC236}">
-                <a16:creationId xmlns:a16="http://schemas.microsoft.com/office/drawing/2014/main" id="{DCEE1F9E-8840-49D4-92BF-098ED177876D}"/>
+                <a16:creationId xmlns:a16="http://schemas.microsoft.com/office/drawing/2014/main" id="{B8FA26A1-DD4E-483C-BAB7-6898DCA940F7}"/>
               </a:ext>
             </a:extLst>
           </p:cNvPr>
-          <p:cNvSpPr/>
+          <p:cNvSpPr txBox="1"/>
           <p:nvPr/>
         </p:nvSpPr>
         <p:spPr>
           <a:xfrm>
-            <a:off x="11862701" y="8458200"/>
-            <a:ext cx="9067800" cy="3542210"/>
+            <a:off x="11177957" y="16932834"/>
+            <a:ext cx="10145967" cy="2985433"/>
           </a:xfrm>
           <a:prstGeom prst="rect">
             <a:avLst/>
           </a:prstGeom>
-          <a:solidFill>
-            <a:srgbClr val="7F7F7F"/>
-          </a:solidFill>
+          <a:noFill/>
         </p:spPr>
-        <p:style>
-          <a:lnRef idx="2">
-            <a:schemeClr val="accent1">
-              <a:shade val="50000"/>
-            </a:schemeClr>
-          </a:lnRef>
-          <a:fillRef idx="1">
-            <a:schemeClr val="accent1"/>
-          </a:fillRef>
-          <a:effectRef idx="0">
-            <a:schemeClr val="accent1"/>
-          </a:effectRef>
-          <a:fontRef idx="minor">
-            <a:schemeClr val="lt1"/>
-          </a:fontRef>
-        </p:style>
-        <p:txBody>
-          <a:bodyPr rtlCol="0" anchor="ctr"/>
+        <p:txBody>
+          <a:bodyPr wrap="square" rtlCol="0">
+            <a:spAutoFit/>
+          </a:bodyPr>
           <a:lstStyle/>
           <a:p>
-            <a:pPr algn="ctr"/>
-            <a:r>
-              <a:rPr lang="en-US" dirty="0"/>
-              <a:t>Images in this template are just examples.  You will want to use your own.</a:t>
+            <a:r>
+              <a:rPr lang="en-US" sz="2400" dirty="0"/>
+              <a:t>[1] </a:t>
+            </a:r>
+            <a:r>
+              <a:rPr lang="en-US" sz="2000" dirty="0"/>
+              <a:t>G. </a:t>
+            </a:r>
+            <a:r>
+              <a:rPr lang="en-US" sz="2000" dirty="0" err="1"/>
+              <a:t>Vetaw</a:t>
+            </a:r>
+            <a:r>
+              <a:rPr lang="en-US" sz="2000" dirty="0"/>
+              <a:t>, “</a:t>
+            </a:r>
+            <a:r>
+              <a:rPr lang="en-US" sz="2000" dirty="0">
+                <a:effectLst/>
+                <a:latin typeface="NimbusRomNo9L"/>
+              </a:rPr>
+              <a:t>Volumetric Hadamard Normalization for Sub-Bottom SAS ATR”</a:t>
+            </a:r>
+            <a:endParaRPr lang="en-US" sz="2400" dirty="0">
+              <a:effectLst/>
+              <a:latin typeface="NimbusRomNo9L"/>
+            </a:endParaRPr>
+          </a:p>
+          <a:p>
+            <a:r>
+              <a:rPr lang="en-US" sz="2400" dirty="0">
+                <a:effectLst/>
+                <a:latin typeface="NimbusRomNo9L"/>
+              </a:rPr>
+              <a:t>[2] </a:t>
+            </a:r>
+            <a:r>
+              <a:rPr lang="en-US" sz="2000" dirty="0">
+                <a:effectLst/>
+                <a:latin typeface="NimbusRomNo9L"/>
+              </a:rPr>
+              <a:t>D. Williams and D. Brown, “New target detection algorithms for volumetric synthetic aperture sonar data,” </a:t>
+            </a:r>
+            <a:r>
+              <a:rPr lang="en-US" sz="2000" i="1" dirty="0">
+                <a:effectLst/>
+                <a:latin typeface="NimbusRomNo9L"/>
+              </a:rPr>
+              <a:t>Proc. of Meetings on Acoustics</a:t>
+            </a:r>
+            <a:r>
+              <a:rPr lang="en-US" sz="2000" dirty="0">
+                <a:effectLst/>
+                <a:latin typeface="NimbusRomNo9L"/>
+              </a:rPr>
+              <a:t>, vol. 40, p. 070002, Sept. 2020.</a:t>
+            </a:r>
+          </a:p>
+          <a:p>
+            <a:r>
+              <a:rPr lang="en-US" sz="2000" dirty="0">
+                <a:latin typeface="NimbusRomNo9L"/>
+              </a:rPr>
+              <a:t>[3] </a:t>
+            </a:r>
+            <a:r>
+              <a:rPr lang="en-US" sz="2000" dirty="0">
+                <a:effectLst/>
+                <a:latin typeface="NimbusRomNo9L"/>
+              </a:rPr>
+              <a:t>Henderson, Maxwell P. et al. “</a:t>
+            </a:r>
+            <a:r>
+              <a:rPr lang="en-US" sz="2000" dirty="0" err="1">
+                <a:effectLst/>
+                <a:latin typeface="NimbusRomNo9L"/>
+              </a:rPr>
+              <a:t>Quanvolutional</a:t>
+            </a:r>
+            <a:r>
+              <a:rPr lang="en-US" sz="2000" dirty="0">
+                <a:effectLst/>
+                <a:latin typeface="NimbusRomNo9L"/>
+              </a:rPr>
+              <a:t> Neural networks: powering image recognition with quantum circuits.” </a:t>
+            </a:r>
+            <a:r>
+              <a:rPr lang="en-US" sz="2000" i="1" dirty="0">
+                <a:effectLst/>
+                <a:latin typeface="NimbusRomNo9L"/>
+              </a:rPr>
+              <a:t>Quantum Machine Intelligence 2, 2019</a:t>
+            </a:r>
+          </a:p>
+          <a:p>
+            <a:r>
+              <a:rPr lang="en-US" sz="2000" i="1" dirty="0">
+                <a:effectLst/>
+                <a:latin typeface="NimbusRomNo9L"/>
+              </a:rPr>
+              <a:t>[4] Uehara, G. S., </a:t>
+            </a:r>
+            <a:r>
+              <a:rPr lang="en-US" sz="2000" i="1" dirty="0" err="1">
+                <a:effectLst/>
+                <a:latin typeface="NimbusRomNo9L"/>
+              </a:rPr>
+              <a:t>Spanias</a:t>
+            </a:r>
+            <a:r>
+              <a:rPr lang="en-US" sz="2000" i="1" dirty="0">
+                <a:effectLst/>
+                <a:latin typeface="NimbusRomNo9L"/>
+              </a:rPr>
+              <a:t>, A., &amp; Clark, W.. Quantum information processing algorithms with emphasis on machine learning. In IEEE IISA, July 2021.</a:t>
+            </a:r>
+          </a:p>
+          <a:p>
+            <a:r>
+              <a:rPr lang="en-US" sz="2000" i="1" dirty="0">
+                <a:effectLst/>
+                <a:latin typeface="NimbusRomNo9L"/>
+              </a:rPr>
+              <a:t>[5] Miller, L., Uehara, G., &amp; </a:t>
+            </a:r>
+            <a:r>
+              <a:rPr lang="en-US" sz="2000" i="1" dirty="0" err="1">
+                <a:effectLst/>
+                <a:latin typeface="NimbusRomNo9L"/>
+              </a:rPr>
+              <a:t>Spanias</a:t>
+            </a:r>
+            <a:r>
+              <a:rPr lang="en-US" sz="2000" i="1" dirty="0">
+                <a:effectLst/>
+                <a:latin typeface="NimbusRomNo9L"/>
+              </a:rPr>
+              <a:t>, A. (2024, March). Quantum Image Fusion Methods for Remote Sensing. In 2024 IEEE Aerospace Conference (pp. 1-9). IEEE.</a:t>
             </a:r>
           </a:p>
         </p:txBody>
       </p:sp>
       <p:pic>
         <p:nvPicPr>
-          <p:cNvPr id="1028" name="Picture 4">
+          <p:cNvPr id="1026" name="Picture 2">
             <a:extLst>
               <a:ext uri="{FF2B5EF4-FFF2-40B4-BE49-F238E27FC236}">
-                <a16:creationId xmlns:a16="http://schemas.microsoft.com/office/drawing/2014/main" id="{83030A1C-1B04-40F2-87BC-6DA067131A56}"/>
+                <a16:creationId xmlns:a16="http://schemas.microsoft.com/office/drawing/2014/main" id="{C0E99995-D25B-CA0B-CC75-6290BC159F2C}"/>
               </a:ext>
             </a:extLst>
           </p:cNvPr>
@@ -9462,8 +9738,8 @@
         </p:blipFill>
         <p:spPr bwMode="auto">
           <a:xfrm>
-            <a:off x="17344544" y="12890790"/>
-            <a:ext cx="3730824" cy="3730824"/>
+            <a:off x="18409074" y="20410564"/>
+            <a:ext cx="1364730" cy="1371600"/>
           </a:xfrm>
           <a:prstGeom prst="rect">
             <a:avLst/>
@@ -9482,10 +9758,10 @@
       </p:pic>
       <p:pic>
         <p:nvPicPr>
-          <p:cNvPr id="1030" name="Picture 6">
+          <p:cNvPr id="3" name="Picture 2" descr="Carnegie Mellon University in United States : Reviews &amp; Rankings | Student  Reviews &amp; University Rankings EDUopinions">
             <a:extLst>
               <a:ext uri="{FF2B5EF4-FFF2-40B4-BE49-F238E27FC236}">
-                <a16:creationId xmlns:a16="http://schemas.microsoft.com/office/drawing/2014/main" id="{48EE61B6-5567-4034-958A-8C0ECC508867}"/>
+                <a16:creationId xmlns:a16="http://schemas.microsoft.com/office/drawing/2014/main" id="{3432354B-412A-10D8-58CE-5CF9270453FE}"/>
               </a:ext>
             </a:extLst>
           </p:cNvPr>
@@ -9495,7 +9771,7 @@
           <p:nvPr/>
         </p:nvPicPr>
         <p:blipFill>
-          <a:blip r:embed="rId5" cstate="print">
+          <a:blip r:embed="rId5">
             <a:extLst>
               <a:ext uri="{28A0092B-C50C-407E-A947-70E740481C1C}">
                 <a14:useLocalDpi xmlns:a14="http://schemas.microsoft.com/office/drawing/2010/main" val="0"/>
@@ -9509,8 +9785,8 @@
         </p:blipFill>
         <p:spPr bwMode="auto">
           <a:xfrm>
-            <a:off x="11727648" y="12949086"/>
-            <a:ext cx="5159077" cy="3476769"/>
+            <a:off x="1019907" y="815564"/>
+            <a:ext cx="2748893" cy="2748893"/>
           </a:xfrm>
           <a:prstGeom prst="rect">
             <a:avLst/>
@@ -9529,10 +9805,737 @@
       </p:pic>
       <p:pic>
         <p:nvPicPr>
-          <p:cNvPr id="1032" name="Picture 8">
+          <p:cNvPr id="9" name="Picture 8" descr="A group of cubes with blue light&#10;&#10;Description automatically generated">
             <a:extLst>
               <a:ext uri="{FF2B5EF4-FFF2-40B4-BE49-F238E27FC236}">
-                <a16:creationId xmlns:a16="http://schemas.microsoft.com/office/drawing/2014/main" id="{9B17A4F8-1FE6-4DE9-B05F-0DE21A12290C}"/>
+                <a16:creationId xmlns:a16="http://schemas.microsoft.com/office/drawing/2014/main" id="{008FF2C4-C778-209F-D232-25EB4517BE72}"/>
+              </a:ext>
+            </a:extLst>
+          </p:cNvPr>
+          <p:cNvPicPr>
+            <a:picLocks noChangeAspect="1"/>
+          </p:cNvPicPr>
+          <p:nvPr/>
+        </p:nvPicPr>
+        <p:blipFill>
+          <a:blip r:embed="rId6"/>
+          <a:stretch>
+            <a:fillRect/>
+          </a:stretch>
+        </p:blipFill>
+        <p:spPr>
+          <a:xfrm>
+            <a:off x="3389918" y="9601815"/>
+            <a:ext cx="7720347" cy="3456630"/>
+          </a:xfrm>
+          <a:prstGeom prst="rect">
+            <a:avLst/>
+          </a:prstGeom>
+          <a:ln>
+            <a:solidFill>
+              <a:schemeClr val="tx1"/>
+            </a:solidFill>
+          </a:ln>
+        </p:spPr>
+      </p:pic>
+      <p:sp>
+        <p:nvSpPr>
+          <p:cNvPr id="10" name="TextBox 9">
+            <a:extLst>
+              <a:ext uri="{FF2B5EF4-FFF2-40B4-BE49-F238E27FC236}">
+                <a16:creationId xmlns:a16="http://schemas.microsoft.com/office/drawing/2014/main" id="{519EF17B-4472-D451-3796-4DD5D3BEBCCE}"/>
+              </a:ext>
+            </a:extLst>
+          </p:cNvPr>
+          <p:cNvSpPr txBox="1"/>
+          <p:nvPr/>
+        </p:nvSpPr>
+        <p:spPr>
+          <a:xfrm>
+            <a:off x="862568" y="10114661"/>
+            <a:ext cx="2527350" cy="2308324"/>
+          </a:xfrm>
+          <a:prstGeom prst="rect">
+            <a:avLst/>
+          </a:prstGeom>
+          <a:noFill/>
+        </p:spPr>
+        <p:txBody>
+          <a:bodyPr wrap="square" rtlCol="0">
+            <a:spAutoFit/>
+          </a:bodyPr>
+          <a:lstStyle/>
+          <a:p>
+            <a:r>
+              <a:rPr lang="en-US" sz="3600" b="1" dirty="0"/>
+              <a:t>Fig 1 </a:t>
+            </a:r>
+            <a:r>
+              <a:rPr lang="en-US" sz="3600" dirty="0"/>
+              <a:t>3D SAS cubes and respective targets</a:t>
+            </a:r>
+          </a:p>
+        </p:txBody>
+      </p:sp>
+      <p:pic>
+        <p:nvPicPr>
+          <p:cNvPr id="37" name="Picture 36">
+            <a:extLst>
+              <a:ext uri="{FF2B5EF4-FFF2-40B4-BE49-F238E27FC236}">
+                <a16:creationId xmlns:a16="http://schemas.microsoft.com/office/drawing/2014/main" id="{8C9D7365-ECDB-B436-5E44-1A7C363ABA5C}"/>
+              </a:ext>
+            </a:extLst>
+          </p:cNvPr>
+          <p:cNvPicPr>
+            <a:picLocks noChangeAspect="1"/>
+          </p:cNvPicPr>
+          <p:nvPr/>
+        </p:nvPicPr>
+        <p:blipFill rotWithShape="1">
+          <a:blip r:embed="rId7"/>
+          <a:srcRect t="46190"/>
+          <a:stretch/>
+        </p:blipFill>
+        <p:spPr>
+          <a:xfrm>
+            <a:off x="11182592" y="10148428"/>
+            <a:ext cx="4472086" cy="2973766"/>
+          </a:xfrm>
+          <a:prstGeom prst="rect">
+            <a:avLst/>
+          </a:prstGeom>
+        </p:spPr>
+      </p:pic>
+      <p:pic>
+        <p:nvPicPr>
+          <p:cNvPr id="40" name="Picture 39">
+            <a:extLst>
+              <a:ext uri="{FF2B5EF4-FFF2-40B4-BE49-F238E27FC236}">
+                <a16:creationId xmlns:a16="http://schemas.microsoft.com/office/drawing/2014/main" id="{33D3F13C-B609-40E3-AA6E-C2B5E3091106}"/>
+              </a:ext>
+            </a:extLst>
+          </p:cNvPr>
+          <p:cNvPicPr>
+            <a:picLocks noChangeAspect="1"/>
+          </p:cNvPicPr>
+          <p:nvPr/>
+        </p:nvPicPr>
+        <p:blipFill rotWithShape="1">
+          <a:blip r:embed="rId8"/>
+          <a:srcRect r="69999"/>
+          <a:stretch/>
+        </p:blipFill>
+        <p:spPr>
+          <a:xfrm>
+            <a:off x="17147038" y="10578432"/>
+            <a:ext cx="2544452" cy="2174220"/>
+          </a:xfrm>
+          <a:prstGeom prst="rect">
+            <a:avLst/>
+          </a:prstGeom>
+        </p:spPr>
+      </p:pic>
+      <p:pic>
+        <p:nvPicPr>
+          <p:cNvPr id="41" name="Picture 40" descr="A close-up of a diagram&#10;&#10;Description automatically generated">
+            <a:extLst>
+              <a:ext uri="{FF2B5EF4-FFF2-40B4-BE49-F238E27FC236}">
+                <a16:creationId xmlns:a16="http://schemas.microsoft.com/office/drawing/2014/main" id="{DA5ACB2D-CFAD-A8D2-9908-0D7A9C22250B}"/>
+              </a:ext>
+            </a:extLst>
+          </p:cNvPr>
+          <p:cNvPicPr>
+            <a:picLocks noChangeAspect="1"/>
+          </p:cNvPicPr>
+          <p:nvPr/>
+        </p:nvPicPr>
+        <p:blipFill rotWithShape="1">
+          <a:blip r:embed="rId9"/>
+          <a:srcRect t="40736"/>
+          <a:stretch/>
+        </p:blipFill>
+        <p:spPr>
+          <a:xfrm>
+            <a:off x="15844188" y="8131747"/>
+            <a:ext cx="5360937" cy="1629310"/>
+          </a:xfrm>
+          <a:prstGeom prst="rect">
+            <a:avLst/>
+          </a:prstGeom>
+        </p:spPr>
+      </p:pic>
+      <p:pic>
+        <p:nvPicPr>
+          <p:cNvPr id="43" name="Picture 42">
+            <a:extLst>
+              <a:ext uri="{FF2B5EF4-FFF2-40B4-BE49-F238E27FC236}">
+                <a16:creationId xmlns:a16="http://schemas.microsoft.com/office/drawing/2014/main" id="{4E80585A-89A7-8AAB-AF6D-63D08C466D3E}"/>
+              </a:ext>
+            </a:extLst>
+          </p:cNvPr>
+          <p:cNvPicPr>
+            <a:picLocks noChangeAspect="1"/>
+          </p:cNvPicPr>
+          <p:nvPr/>
+        </p:nvPicPr>
+        <p:blipFill>
+          <a:blip r:embed="rId10"/>
+          <a:stretch>
+            <a:fillRect/>
+          </a:stretch>
+        </p:blipFill>
+        <p:spPr>
+          <a:xfrm>
+            <a:off x="11746378" y="7858152"/>
+            <a:ext cx="2399735" cy="2338205"/>
+          </a:xfrm>
+          <a:prstGeom prst="rect">
+            <a:avLst/>
+          </a:prstGeom>
+        </p:spPr>
+      </p:pic>
+      <p:pic>
+        <p:nvPicPr>
+          <p:cNvPr id="44" name="Picture 43">
+            <a:extLst>
+              <a:ext uri="{FF2B5EF4-FFF2-40B4-BE49-F238E27FC236}">
+                <a16:creationId xmlns:a16="http://schemas.microsoft.com/office/drawing/2014/main" id="{EF2E6F85-1AFB-4FA7-15AF-33AF59DF68E0}"/>
+              </a:ext>
+            </a:extLst>
+          </p:cNvPr>
+          <p:cNvPicPr>
+            <a:picLocks noChangeAspect="1"/>
+          </p:cNvPicPr>
+          <p:nvPr/>
+        </p:nvPicPr>
+        <p:blipFill>
+          <a:blip r:embed="rId11"/>
+          <a:stretch>
+            <a:fillRect/>
+          </a:stretch>
+        </p:blipFill>
+        <p:spPr>
+          <a:xfrm>
+            <a:off x="15143788" y="13597698"/>
+            <a:ext cx="2218608" cy="2171065"/>
+          </a:xfrm>
+          <a:prstGeom prst="rect">
+            <a:avLst/>
+          </a:prstGeom>
+        </p:spPr>
+      </p:pic>
+      <p:sp>
+        <p:nvSpPr>
+          <p:cNvPr id="45" name="TextBox 44">
+            <a:extLst>
+              <a:ext uri="{FF2B5EF4-FFF2-40B4-BE49-F238E27FC236}">
+                <a16:creationId xmlns:a16="http://schemas.microsoft.com/office/drawing/2014/main" id="{0149F51A-CD83-1421-E8F2-C90E3BADD730}"/>
+              </a:ext>
+            </a:extLst>
+          </p:cNvPr>
+          <p:cNvSpPr txBox="1"/>
+          <p:nvPr/>
+        </p:nvSpPr>
+        <p:spPr>
+          <a:xfrm>
+            <a:off x="13968428" y="8565405"/>
+            <a:ext cx="2549882" cy="400110"/>
+          </a:xfrm>
+          <a:prstGeom prst="rect">
+            <a:avLst/>
+          </a:prstGeom>
+          <a:noFill/>
+        </p:spPr>
+        <p:txBody>
+          <a:bodyPr wrap="square" rtlCol="0">
+            <a:spAutoFit/>
+          </a:bodyPr>
+          <a:lstStyle/>
+          <a:p>
+            <a:r>
+              <a:rPr lang="en-US" sz="2000" dirty="0"/>
+              <a:t>…………………………….</a:t>
+            </a:r>
+          </a:p>
+        </p:txBody>
+      </p:sp>
+      <p:sp>
+        <p:nvSpPr>
+          <p:cNvPr id="49" name="TextBox 48">
+            <a:extLst>
+              <a:ext uri="{FF2B5EF4-FFF2-40B4-BE49-F238E27FC236}">
+                <a16:creationId xmlns:a16="http://schemas.microsoft.com/office/drawing/2014/main" id="{2D3A42D8-9855-BE92-DFAD-DED50321E797}"/>
+              </a:ext>
+            </a:extLst>
+          </p:cNvPr>
+          <p:cNvSpPr txBox="1"/>
+          <p:nvPr/>
+        </p:nvSpPr>
+        <p:spPr>
+          <a:xfrm rot="5400000">
+            <a:off x="17344378" y="10546696"/>
+            <a:ext cx="2549882" cy="400110"/>
+          </a:xfrm>
+          <a:prstGeom prst="rect">
+            <a:avLst/>
+          </a:prstGeom>
+          <a:noFill/>
+        </p:spPr>
+        <p:txBody>
+          <a:bodyPr wrap="square" rtlCol="0">
+            <a:spAutoFit/>
+          </a:bodyPr>
+          <a:lstStyle/>
+          <a:p>
+            <a:r>
+              <a:rPr lang="en-US" sz="2000" dirty="0"/>
+              <a:t>……………….</a:t>
+            </a:r>
+          </a:p>
+        </p:txBody>
+      </p:sp>
+      <p:sp>
+        <p:nvSpPr>
+          <p:cNvPr id="50" name="TextBox 49">
+            <a:extLst>
+              <a:ext uri="{FF2B5EF4-FFF2-40B4-BE49-F238E27FC236}">
+                <a16:creationId xmlns:a16="http://schemas.microsoft.com/office/drawing/2014/main" id="{D804654B-E10F-AB12-0A67-8D652D0FBC65}"/>
+              </a:ext>
+            </a:extLst>
+          </p:cNvPr>
+          <p:cNvSpPr txBox="1"/>
+          <p:nvPr/>
+        </p:nvSpPr>
+        <p:spPr>
+          <a:xfrm rot="5400000">
+            <a:off x="17334188" y="13717450"/>
+            <a:ext cx="2549882" cy="400110"/>
+          </a:xfrm>
+          <a:prstGeom prst="rect">
+            <a:avLst/>
+          </a:prstGeom>
+          <a:noFill/>
+        </p:spPr>
+        <p:txBody>
+          <a:bodyPr wrap="square" rtlCol="0">
+            <a:spAutoFit/>
+          </a:bodyPr>
+          <a:lstStyle/>
+          <a:p>
+            <a:r>
+              <a:rPr lang="en-US" sz="2000" dirty="0"/>
+              <a:t>..…….</a:t>
+            </a:r>
+          </a:p>
+        </p:txBody>
+      </p:sp>
+      <p:sp>
+        <p:nvSpPr>
+          <p:cNvPr id="51" name="TextBox 50">
+            <a:extLst>
+              <a:ext uri="{FF2B5EF4-FFF2-40B4-BE49-F238E27FC236}">
+                <a16:creationId xmlns:a16="http://schemas.microsoft.com/office/drawing/2014/main" id="{BD3E190F-4936-7CFF-CBD4-68A4CBEF7FD1}"/>
+              </a:ext>
+            </a:extLst>
+          </p:cNvPr>
+          <p:cNvSpPr txBox="1"/>
+          <p:nvPr/>
+        </p:nvSpPr>
+        <p:spPr>
+          <a:xfrm rot="5400000">
+            <a:off x="13468736" y="14019595"/>
+            <a:ext cx="2549882" cy="400110"/>
+          </a:xfrm>
+          <a:prstGeom prst="rect">
+            <a:avLst/>
+          </a:prstGeom>
+          <a:noFill/>
+        </p:spPr>
+        <p:txBody>
+          <a:bodyPr wrap="square" rtlCol="0">
+            <a:spAutoFit/>
+          </a:bodyPr>
+          <a:lstStyle/>
+          <a:p>
+            <a:r>
+              <a:rPr lang="en-US" sz="2000" dirty="0"/>
+              <a:t>….</a:t>
+            </a:r>
+          </a:p>
+        </p:txBody>
+      </p:sp>
+      <p:sp>
+        <p:nvSpPr>
+          <p:cNvPr id="52" name="TextBox 51">
+            <a:extLst>
+              <a:ext uri="{FF2B5EF4-FFF2-40B4-BE49-F238E27FC236}">
+                <a16:creationId xmlns:a16="http://schemas.microsoft.com/office/drawing/2014/main" id="{E2954BDA-5EEB-626B-2506-DEF29F121051}"/>
+              </a:ext>
+            </a:extLst>
+          </p:cNvPr>
+          <p:cNvSpPr txBox="1"/>
+          <p:nvPr/>
+        </p:nvSpPr>
+        <p:spPr>
+          <a:xfrm>
+            <a:off x="14580860" y="13033864"/>
+            <a:ext cx="5110630" cy="707886"/>
+          </a:xfrm>
+          <a:prstGeom prst="rect">
+            <a:avLst/>
+          </a:prstGeom>
+          <a:noFill/>
+        </p:spPr>
+        <p:txBody>
+          <a:bodyPr wrap="square" rtlCol="0">
+            <a:spAutoFit/>
+          </a:bodyPr>
+          <a:lstStyle/>
+          <a:p>
+            <a:r>
+              <a:rPr lang="en-US" sz="2000" dirty="0"/>
+              <a:t>……….……….……….……………………………...</a:t>
+            </a:r>
+          </a:p>
+          <a:p>
+            <a:endParaRPr lang="en-US" sz="2000" dirty="0"/>
+          </a:p>
+        </p:txBody>
+      </p:sp>
+      <p:sp>
+        <p:nvSpPr>
+          <p:cNvPr id="53" name="TextBox 52">
+            <a:extLst>
+              <a:ext uri="{FF2B5EF4-FFF2-40B4-BE49-F238E27FC236}">
+                <a16:creationId xmlns:a16="http://schemas.microsoft.com/office/drawing/2014/main" id="{37EAADCB-D239-A201-DFB5-FBFCD2091F1A}"/>
+              </a:ext>
+            </a:extLst>
+          </p:cNvPr>
+          <p:cNvSpPr txBox="1"/>
+          <p:nvPr/>
+        </p:nvSpPr>
+        <p:spPr>
+          <a:xfrm rot="5400000">
+            <a:off x="13668791" y="14278621"/>
+            <a:ext cx="2549882" cy="400110"/>
+          </a:xfrm>
+          <a:prstGeom prst="rect">
+            <a:avLst/>
+          </a:prstGeom>
+          <a:noFill/>
+        </p:spPr>
+        <p:txBody>
+          <a:bodyPr wrap="square" rtlCol="0">
+            <a:spAutoFit/>
+          </a:bodyPr>
+          <a:lstStyle/>
+          <a:p>
+            <a:r>
+              <a:rPr lang="en-US" sz="2000" dirty="0"/>
+              <a:t>…………………….</a:t>
+            </a:r>
+          </a:p>
+        </p:txBody>
+      </p:sp>
+      <p:sp>
+        <p:nvSpPr>
+          <p:cNvPr id="54" name="TextBox 53">
+            <a:extLst>
+              <a:ext uri="{FF2B5EF4-FFF2-40B4-BE49-F238E27FC236}">
+                <a16:creationId xmlns:a16="http://schemas.microsoft.com/office/drawing/2014/main" id="{AA29F5CB-6327-F61E-FEC2-E62D909BF9EB}"/>
+              </a:ext>
+            </a:extLst>
+          </p:cNvPr>
+          <p:cNvSpPr txBox="1"/>
+          <p:nvPr/>
+        </p:nvSpPr>
+        <p:spPr>
+          <a:xfrm>
+            <a:off x="14792976" y="14520114"/>
+            <a:ext cx="2549882" cy="400110"/>
+          </a:xfrm>
+          <a:prstGeom prst="rect">
+            <a:avLst/>
+          </a:prstGeom>
+          <a:noFill/>
+        </p:spPr>
+        <p:txBody>
+          <a:bodyPr wrap="square" rtlCol="0">
+            <a:spAutoFit/>
+          </a:bodyPr>
+          <a:lstStyle/>
+          <a:p>
+            <a:r>
+              <a:rPr lang="en-US" sz="2000" dirty="0"/>
+              <a:t>.….</a:t>
+            </a:r>
+          </a:p>
+        </p:txBody>
+      </p:sp>
+      <p:sp>
+        <p:nvSpPr>
+          <p:cNvPr id="56" name="TextBox 55">
+            <a:extLst>
+              <a:ext uri="{FF2B5EF4-FFF2-40B4-BE49-F238E27FC236}">
+                <a16:creationId xmlns:a16="http://schemas.microsoft.com/office/drawing/2014/main" id="{78B092AA-A257-FE4E-FE5D-7B23629BD590}"/>
+              </a:ext>
+            </a:extLst>
+          </p:cNvPr>
+          <p:cNvSpPr txBox="1"/>
+          <p:nvPr/>
+        </p:nvSpPr>
+        <p:spPr>
+          <a:xfrm>
+            <a:off x="16176354" y="9468330"/>
+            <a:ext cx="1067921" cy="646331"/>
+          </a:xfrm>
+          <a:prstGeom prst="rect">
+            <a:avLst/>
+          </a:prstGeom>
+          <a:noFill/>
+        </p:spPr>
+        <p:txBody>
+          <a:bodyPr wrap="none" rtlCol="0">
+            <a:spAutoFit/>
+          </a:bodyPr>
+          <a:lstStyle/>
+          <a:p>
+            <a:r>
+              <a:rPr lang="en-US" sz="3600" b="1" dirty="0"/>
+              <a:t>Fig 3</a:t>
+            </a:r>
+          </a:p>
+        </p:txBody>
+      </p:sp>
+      <p:pic>
+        <p:nvPicPr>
+          <p:cNvPr id="58" name="Picture 57" descr="A graph of a graph showing the value of a number of num filters&#10;&#10;Description automatically generated with medium confidence">
+            <a:extLst>
+              <a:ext uri="{FF2B5EF4-FFF2-40B4-BE49-F238E27FC236}">
+                <a16:creationId xmlns:a16="http://schemas.microsoft.com/office/drawing/2014/main" id="{C6164F72-958E-9A55-10FE-88D54E3FB00B}"/>
+              </a:ext>
+            </a:extLst>
+          </p:cNvPr>
+          <p:cNvPicPr>
+            <a:picLocks noChangeAspect="1"/>
+          </p:cNvPicPr>
+          <p:nvPr/>
+        </p:nvPicPr>
+        <p:blipFill rotWithShape="1">
+          <a:blip r:embed="rId12">
+            <a:extLst>
+              <a:ext uri="{28A0092B-C50C-407E-A947-70E740481C1C}">
+                <a14:useLocalDpi xmlns:a14="http://schemas.microsoft.com/office/drawing/2010/main" val="0"/>
+              </a:ext>
+            </a:extLst>
+          </a:blip>
+          <a:srcRect l="1468" t="1344" r="2223" b="49535"/>
+          <a:stretch/>
+        </p:blipFill>
+        <p:spPr>
+          <a:xfrm>
+            <a:off x="21934230" y="9286343"/>
+            <a:ext cx="4703920" cy="3056752"/>
+          </a:xfrm>
+          <a:prstGeom prst="rect">
+            <a:avLst/>
+          </a:prstGeom>
+          <a:ln>
+            <a:solidFill>
+              <a:schemeClr val="tx1"/>
+            </a:solidFill>
+          </a:ln>
+        </p:spPr>
+      </p:pic>
+      <p:sp>
+        <p:nvSpPr>
+          <p:cNvPr id="59" name="TextBox 58">
+            <a:extLst>
+              <a:ext uri="{FF2B5EF4-FFF2-40B4-BE49-F238E27FC236}">
+                <a16:creationId xmlns:a16="http://schemas.microsoft.com/office/drawing/2014/main" id="{D3FCE76E-9C7D-1887-E0DC-8E1F11BE913E}"/>
+              </a:ext>
+            </a:extLst>
+          </p:cNvPr>
+          <p:cNvSpPr txBox="1"/>
+          <p:nvPr/>
+        </p:nvSpPr>
+        <p:spPr>
+          <a:xfrm>
+            <a:off x="23821254" y="12318958"/>
+            <a:ext cx="1067921" cy="646331"/>
+          </a:xfrm>
+          <a:prstGeom prst="rect">
+            <a:avLst/>
+          </a:prstGeom>
+          <a:noFill/>
+        </p:spPr>
+        <p:txBody>
+          <a:bodyPr wrap="none" rtlCol="0">
+            <a:spAutoFit/>
+          </a:bodyPr>
+          <a:lstStyle/>
+          <a:p>
+            <a:r>
+              <a:rPr lang="en-US" sz="3600" b="1" dirty="0"/>
+              <a:t>Fig 4</a:t>
+            </a:r>
+          </a:p>
+        </p:txBody>
+      </p:sp>
+      <p:pic>
+        <p:nvPicPr>
+          <p:cNvPr id="60" name="Picture 59">
+            <a:extLst>
+              <a:ext uri="{FF2B5EF4-FFF2-40B4-BE49-F238E27FC236}">
+                <a16:creationId xmlns:a16="http://schemas.microsoft.com/office/drawing/2014/main" id="{E9489062-B3A3-5EA7-CC73-A5FDA61F79E9}"/>
+              </a:ext>
+            </a:extLst>
+          </p:cNvPr>
+          <p:cNvPicPr>
+            <a:picLocks noChangeAspect="1"/>
+          </p:cNvPicPr>
+          <p:nvPr/>
+        </p:nvPicPr>
+        <p:blipFill>
+          <a:blip r:embed="rId13"/>
+          <a:stretch>
+            <a:fillRect/>
+          </a:stretch>
+        </p:blipFill>
+        <p:spPr>
+          <a:xfrm>
+            <a:off x="26874898" y="9260105"/>
+            <a:ext cx="4989075" cy="3105782"/>
+          </a:xfrm>
+          <a:prstGeom prst="rect">
+            <a:avLst/>
+          </a:prstGeom>
+          <a:ln>
+            <a:solidFill>
+              <a:schemeClr val="tx1"/>
+            </a:solidFill>
+          </a:ln>
+        </p:spPr>
+      </p:pic>
+      <p:sp>
+        <p:nvSpPr>
+          <p:cNvPr id="61" name="TextBox 60">
+            <a:extLst>
+              <a:ext uri="{FF2B5EF4-FFF2-40B4-BE49-F238E27FC236}">
+                <a16:creationId xmlns:a16="http://schemas.microsoft.com/office/drawing/2014/main" id="{224875E0-D683-99E7-3333-978DE8794197}"/>
+              </a:ext>
+            </a:extLst>
+          </p:cNvPr>
+          <p:cNvSpPr txBox="1"/>
+          <p:nvPr/>
+        </p:nvSpPr>
+        <p:spPr>
+          <a:xfrm>
+            <a:off x="28803694" y="12305804"/>
+            <a:ext cx="1067921" cy="1200329"/>
+          </a:xfrm>
+          <a:prstGeom prst="rect">
+            <a:avLst/>
+          </a:prstGeom>
+          <a:noFill/>
+        </p:spPr>
+        <p:txBody>
+          <a:bodyPr wrap="none" rtlCol="0">
+            <a:spAutoFit/>
+          </a:bodyPr>
+          <a:lstStyle/>
+          <a:p>
+            <a:r>
+              <a:rPr lang="en-US" sz="3600" b="1" dirty="0"/>
+              <a:t>Fig 5</a:t>
+            </a:r>
+          </a:p>
+          <a:p>
+            <a:endParaRPr lang="en-US" sz="3600" b="1" dirty="0"/>
+          </a:p>
+        </p:txBody>
+      </p:sp>
+      <p:pic>
+        <p:nvPicPr>
+          <p:cNvPr id="63" name="Picture 62" descr="A rectangular sign with black text&#10;&#10;Description automatically generated">
+            <a:extLst>
+              <a:ext uri="{FF2B5EF4-FFF2-40B4-BE49-F238E27FC236}">
+                <a16:creationId xmlns:a16="http://schemas.microsoft.com/office/drawing/2014/main" id="{52EED898-36B8-ADDC-37AE-715A752DFDED}"/>
+              </a:ext>
+            </a:extLst>
+          </p:cNvPr>
+          <p:cNvPicPr>
+            <a:picLocks noChangeAspect="1"/>
+          </p:cNvPicPr>
+          <p:nvPr/>
+        </p:nvPicPr>
+        <p:blipFill>
+          <a:blip r:embed="rId14">
+            <a:extLst>
+              <a:ext uri="{28A0092B-C50C-407E-A947-70E740481C1C}">
+                <a14:useLocalDpi xmlns:a14="http://schemas.microsoft.com/office/drawing/2010/main" val="0"/>
+              </a:ext>
+            </a:extLst>
+          </a:blip>
+          <a:stretch>
+            <a:fillRect/>
+          </a:stretch>
+        </p:blipFill>
+        <p:spPr>
+          <a:xfrm>
+            <a:off x="3905391" y="17393261"/>
+            <a:ext cx="6303061" cy="2544569"/>
+          </a:xfrm>
+          <a:prstGeom prst="rect">
+            <a:avLst/>
+          </a:prstGeom>
+        </p:spPr>
+      </p:pic>
+      <p:sp>
+        <p:nvSpPr>
+          <p:cNvPr id="64" name="TextBox 63">
+            <a:extLst>
+              <a:ext uri="{FF2B5EF4-FFF2-40B4-BE49-F238E27FC236}">
+                <a16:creationId xmlns:a16="http://schemas.microsoft.com/office/drawing/2014/main" id="{3E5BE8B0-1DA0-B324-42AA-2C4416E260E4}"/>
+              </a:ext>
+            </a:extLst>
+          </p:cNvPr>
+          <p:cNvSpPr txBox="1"/>
+          <p:nvPr/>
+        </p:nvSpPr>
+        <p:spPr>
+          <a:xfrm>
+            <a:off x="838199" y="17410633"/>
+            <a:ext cx="2889735" cy="1754326"/>
+          </a:xfrm>
+          <a:prstGeom prst="rect">
+            <a:avLst/>
+          </a:prstGeom>
+          <a:noFill/>
+        </p:spPr>
+        <p:txBody>
+          <a:bodyPr wrap="square" rtlCol="0">
+            <a:spAutoFit/>
+          </a:bodyPr>
+          <a:lstStyle/>
+          <a:p>
+            <a:r>
+              <a:rPr lang="en-US" sz="3600" b="1" dirty="0"/>
+              <a:t>Fig 2 </a:t>
+            </a:r>
+            <a:r>
+              <a:rPr lang="en-US" sz="3600" dirty="0"/>
+              <a:t>Regularization for VHN layer</a:t>
+            </a:r>
+          </a:p>
+        </p:txBody>
+      </p:sp>
+      <p:pic>
+        <p:nvPicPr>
+          <p:cNvPr id="66" name="Picture 4" descr="IBM's new 53-qubit quantum computer is its biggest yet - CNET">
+            <a:extLst>
+              <a:ext uri="{FF2B5EF4-FFF2-40B4-BE49-F238E27FC236}">
+                <a16:creationId xmlns:a16="http://schemas.microsoft.com/office/drawing/2014/main" id="{5D113D8C-E2B7-632D-AC66-4BF4CFF4DD76}"/>
               </a:ext>
             </a:extLst>
           </p:cNvPr>
@@ -9542,7 +10545,7 @@
           <p:nvPr/>
         </p:nvPicPr>
         <p:blipFill>
-          <a:blip r:embed="rId6" cstate="print">
+          <a:blip r:embed="rId15">
             <a:extLst>
               <a:ext uri="{28A0092B-C50C-407E-A947-70E740481C1C}">
                 <a14:useLocalDpi xmlns:a14="http://schemas.microsoft.com/office/drawing/2010/main" val="0"/>
@@ -9556,8 +10559,8 @@
         </p:blipFill>
         <p:spPr bwMode="auto">
           <a:xfrm>
-            <a:off x="25923066" y="7861236"/>
-            <a:ext cx="5990493" cy="4015249"/>
+            <a:off x="27139898" y="17883474"/>
+            <a:ext cx="5307435" cy="2985432"/>
           </a:xfrm>
           <a:prstGeom prst="rect">
             <a:avLst/>
@@ -9574,116 +10577,12 @@
           </a:extLst>
         </p:spPr>
       </p:pic>
-      <p:grpSp>
-        <p:nvGrpSpPr>
-          <p:cNvPr id="2" name="Group 1">
+      <p:sp>
+        <p:nvSpPr>
+          <p:cNvPr id="67" name="TextBox 66">
             <a:extLst>
               <a:ext uri="{FF2B5EF4-FFF2-40B4-BE49-F238E27FC236}">
-                <a16:creationId xmlns:a16="http://schemas.microsoft.com/office/drawing/2014/main" id="{A2959FBD-EC69-480A-8478-A0DABF5C9372}"/>
-              </a:ext>
-            </a:extLst>
-          </p:cNvPr>
-          <p:cNvGrpSpPr/>
-          <p:nvPr/>
-        </p:nvGrpSpPr>
-        <p:grpSpPr>
-          <a:xfrm>
-            <a:off x="22016816" y="8151819"/>
-            <a:ext cx="3705225" cy="3099604"/>
-            <a:chOff x="909710" y="16230600"/>
-            <a:chExt cx="3705225" cy="3099604"/>
-          </a:xfrm>
-        </p:grpSpPr>
-        <p:pic>
-          <p:nvPicPr>
-            <p:cNvPr id="1034" name="Picture 10">
-              <a:extLst>
-                <a:ext uri="{FF2B5EF4-FFF2-40B4-BE49-F238E27FC236}">
-                  <a16:creationId xmlns:a16="http://schemas.microsoft.com/office/drawing/2014/main" id="{2E2311D3-08B7-4FBF-9CDC-FDB0F5F883C2}"/>
-                </a:ext>
-              </a:extLst>
-            </p:cNvPr>
-            <p:cNvPicPr>
-              <a:picLocks noChangeAspect="1" noChangeArrowheads="1"/>
-            </p:cNvPicPr>
-            <p:nvPr/>
-          </p:nvPicPr>
-          <p:blipFill>
-            <a:blip r:embed="rId7" cstate="print">
-              <a:extLst>
-                <a:ext uri="{28A0092B-C50C-407E-A947-70E740481C1C}">
-                  <a14:useLocalDpi xmlns:a14="http://schemas.microsoft.com/office/drawing/2010/main" val="0"/>
-                </a:ext>
-              </a:extLst>
-            </a:blip>
-            <a:srcRect/>
-            <a:stretch>
-              <a:fillRect/>
-            </a:stretch>
-          </p:blipFill>
-          <p:spPr bwMode="auto">
-            <a:xfrm>
-              <a:off x="909710" y="16834654"/>
-              <a:ext cx="3705225" cy="2495550"/>
-            </a:xfrm>
-            <a:prstGeom prst="rect">
-              <a:avLst/>
-            </a:prstGeom>
-            <a:noFill/>
-            <a:extLst>
-              <a:ext uri="{909E8E84-426E-40DD-AFC4-6F175D3DCCD1}">
-                <a14:hiddenFill xmlns:a14="http://schemas.microsoft.com/office/drawing/2010/main">
-                  <a:solidFill>
-                    <a:srgbClr val="FFFFFF"/>
-                  </a:solidFill>
-                </a14:hiddenFill>
-              </a:ext>
-            </a:extLst>
-          </p:spPr>
-        </p:pic>
-        <p:sp>
-          <p:nvSpPr>
-            <p:cNvPr id="8" name="TextBox 7">
-              <a:extLst>
-                <a:ext uri="{FF2B5EF4-FFF2-40B4-BE49-F238E27FC236}">
-                  <a16:creationId xmlns:a16="http://schemas.microsoft.com/office/drawing/2014/main" id="{533D92C7-A72F-47B6-A929-5BA3C2588023}"/>
-                </a:ext>
-              </a:extLst>
-            </p:cNvPr>
-            <p:cNvSpPr txBox="1"/>
-            <p:nvPr/>
-          </p:nvSpPr>
-          <p:spPr>
-            <a:xfrm>
-              <a:off x="1257006" y="16230600"/>
-              <a:ext cx="3357929" cy="584775"/>
-            </a:xfrm>
-            <a:prstGeom prst="rect">
-              <a:avLst/>
-            </a:prstGeom>
-            <a:noFill/>
-          </p:spPr>
-          <p:txBody>
-            <a:bodyPr wrap="square" rtlCol="0">
-              <a:spAutoFit/>
-            </a:bodyPr>
-            <a:lstStyle/>
-            <a:p>
-              <a:pPr algn="ctr"/>
-              <a:r>
-                <a:rPr lang="en-US" sz="3200" dirty="0"/>
-                <a:t>Cost per Cluster</a:t>
-              </a:r>
-            </a:p>
-          </p:txBody>
-        </p:sp>
-      </p:grpSp>
-      <p:sp>
-        <p:nvSpPr>
-          <p:cNvPr id="46" name="TextBox 45">
-            <a:extLst>
-              <a:ext uri="{FF2B5EF4-FFF2-40B4-BE49-F238E27FC236}">
-                <a16:creationId xmlns:a16="http://schemas.microsoft.com/office/drawing/2014/main" id="{C068EA37-943F-40AC-91D5-6E95FF7EF967}"/>
+                <a16:creationId xmlns:a16="http://schemas.microsoft.com/office/drawing/2014/main" id="{D21C9CC0-9768-2B96-6221-AA06DD7C72B8}"/>
               </a:ext>
             </a:extLst>
           </p:cNvPr>
@@ -9692,8 +10591,8 @@
         </p:nvSpPr>
         <p:spPr>
           <a:xfrm>
-            <a:off x="12153033" y="12406011"/>
-            <a:ext cx="4495800" cy="584775"/>
+            <a:off x="11647652" y="7521819"/>
+            <a:ext cx="2624436" cy="430887"/>
           </a:xfrm>
           <a:prstGeom prst="rect">
             <a:avLst/>
@@ -9701,357 +10600,18 @@
           <a:noFill/>
         </p:spPr>
         <p:txBody>
-          <a:bodyPr wrap="square" rtlCol="0">
-            <a:spAutoFit/>
-          </a:bodyPr>
-          <a:lstStyle/>
-          <a:p>
-            <a:pPr algn="ctr"/>
-            <a:r>
-              <a:rPr lang="en-US" sz="3200" dirty="0"/>
-              <a:t>Energy Produced Per Day</a:t>
-            </a:r>
-          </a:p>
-        </p:txBody>
-      </p:sp>
-      <p:sp>
-        <p:nvSpPr>
-          <p:cNvPr id="47" name="TextBox 46">
-            <a:extLst>
-              <a:ext uri="{FF2B5EF4-FFF2-40B4-BE49-F238E27FC236}">
-                <a16:creationId xmlns:a16="http://schemas.microsoft.com/office/drawing/2014/main" id="{19B17EBA-03C4-4896-B0F7-D2192AF68A34}"/>
-              </a:ext>
-            </a:extLst>
-          </p:cNvPr>
-          <p:cNvSpPr txBox="1"/>
-          <p:nvPr/>
-        </p:nvSpPr>
-        <p:spPr>
-          <a:xfrm>
-            <a:off x="17326856" y="12331214"/>
-            <a:ext cx="4495800" cy="584775"/>
-          </a:xfrm>
-          <a:prstGeom prst="rect">
-            <a:avLst/>
-          </a:prstGeom>
-          <a:noFill/>
-        </p:spPr>
-        <p:txBody>
-          <a:bodyPr wrap="square" rtlCol="0">
-            <a:spAutoFit/>
-          </a:bodyPr>
-          <a:lstStyle/>
-          <a:p>
-            <a:pPr algn="ctr"/>
-            <a:r>
-              <a:rPr lang="en-US" sz="3200" dirty="0"/>
-              <a:t>Solar Classification</a:t>
-            </a:r>
-          </a:p>
-        </p:txBody>
-      </p:sp>
-      <p:sp>
-        <p:nvSpPr>
-          <p:cNvPr id="48" name="Rectangle 47">
-            <a:extLst>
-              <a:ext uri="{FF2B5EF4-FFF2-40B4-BE49-F238E27FC236}">
-                <a16:creationId xmlns:a16="http://schemas.microsoft.com/office/drawing/2014/main" id="{0BE2942D-B2BD-4997-BA1C-F5E28D991ED4}"/>
-              </a:ext>
-            </a:extLst>
-          </p:cNvPr>
-          <p:cNvSpPr/>
-          <p:nvPr/>
-        </p:nvSpPr>
-        <p:spPr>
-          <a:xfrm>
-            <a:off x="22473313" y="16033518"/>
-            <a:ext cx="9067800" cy="3663789"/>
-          </a:xfrm>
-          <a:prstGeom prst="rect">
-            <a:avLst/>
-          </a:prstGeom>
-          <a:solidFill>
-            <a:srgbClr val="7F7F7F"/>
-          </a:solidFill>
-        </p:spPr>
-        <p:style>
-          <a:lnRef idx="2">
-            <a:schemeClr val="accent1">
-              <a:shade val="50000"/>
-            </a:schemeClr>
-          </a:lnRef>
-          <a:fillRef idx="1">
-            <a:schemeClr val="accent1"/>
-          </a:fillRef>
-          <a:effectRef idx="0">
-            <a:schemeClr val="accent1"/>
-          </a:effectRef>
-          <a:fontRef idx="minor">
-            <a:schemeClr val="lt1"/>
-          </a:fontRef>
-        </p:style>
-        <p:txBody>
-          <a:bodyPr rtlCol="0" anchor="ctr"/>
-          <a:lstStyle/>
-          <a:p>
-            <a:pPr algn="ctr"/>
-            <a:r>
-              <a:rPr lang="en-US" dirty="0"/>
-              <a:t>Images relevant to your research.</a:t>
-            </a:r>
-          </a:p>
-        </p:txBody>
-      </p:sp>
-      <p:pic>
-        <p:nvPicPr>
-          <p:cNvPr id="1036" name="Picture 12" descr="Exploring the mutually inclusive modern data architecture of ...">
-            <a:extLst>
-              <a:ext uri="{FF2B5EF4-FFF2-40B4-BE49-F238E27FC236}">
-                <a16:creationId xmlns:a16="http://schemas.microsoft.com/office/drawing/2014/main" id="{04C7DC0B-2053-4E59-A085-65BCE9CC44DE}"/>
-              </a:ext>
-            </a:extLst>
-          </p:cNvPr>
-          <p:cNvPicPr>
-            <a:picLocks noChangeAspect="1" noChangeArrowheads="1"/>
-          </p:cNvPicPr>
-          <p:nvPr/>
-        </p:nvPicPr>
-        <p:blipFill>
-          <a:blip r:embed="rId8" cstate="print">
-            <a:extLst>
-              <a:ext uri="{28A0092B-C50C-407E-A947-70E740481C1C}">
-                <a14:useLocalDpi xmlns:a14="http://schemas.microsoft.com/office/drawing/2010/main" val="0"/>
-              </a:ext>
-            </a:extLst>
-          </a:blip>
-          <a:srcRect/>
-          <a:stretch>
-            <a:fillRect/>
-          </a:stretch>
-        </p:blipFill>
-        <p:spPr bwMode="auto">
-          <a:xfrm>
-            <a:off x="1302913" y="16302575"/>
-            <a:ext cx="9372599" cy="2062359"/>
-          </a:xfrm>
-          <a:prstGeom prst="rect">
-            <a:avLst/>
-          </a:prstGeom>
-          <a:noFill/>
-          <a:extLst>
-            <a:ext uri="{909E8E84-426E-40DD-AFC4-6F175D3DCCD1}">
-              <a14:hiddenFill xmlns:a14="http://schemas.microsoft.com/office/drawing/2010/main">
-                <a:solidFill>
-                  <a:srgbClr val="FFFFFF"/>
-                </a:solidFill>
-              </a14:hiddenFill>
-            </a:ext>
-          </a:extLst>
-        </p:spPr>
-      </p:pic>
-      <p:sp>
-        <p:nvSpPr>
-          <p:cNvPr id="42" name="TextBox 41"/>
-          <p:cNvSpPr txBox="1"/>
-          <p:nvPr/>
-        </p:nvSpPr>
-        <p:spPr>
-          <a:xfrm>
-            <a:off x="1683752" y="1644700"/>
-            <a:ext cx="5682325" cy="800219"/>
-          </a:xfrm>
-          <a:prstGeom prst="rect">
-            <a:avLst/>
-          </a:prstGeom>
-          <a:noFill/>
-        </p:spPr>
-        <p:txBody>
           <a:bodyPr wrap="none" rtlCol="0">
             <a:spAutoFit/>
           </a:bodyPr>
           <a:lstStyle/>
           <a:p>
             <a:r>
-              <a:rPr lang="en-US" dirty="0">
-                <a:solidFill>
-                  <a:srgbClr val="FF0000"/>
-                </a:solidFill>
-              </a:rPr>
-              <a:t>Your school LOGO here</a:t>
-            </a:r>
-          </a:p>
-        </p:txBody>
-      </p:sp>
-      <p:sp>
-        <p:nvSpPr>
-          <p:cNvPr id="39" name="TextBox 38">
-            <a:extLst>
-              <a:ext uri="{FF2B5EF4-FFF2-40B4-BE49-F238E27FC236}">
-                <a16:creationId xmlns:a16="http://schemas.microsoft.com/office/drawing/2014/main" id="{B8FA26A1-DD4E-483C-BAB7-6898DCA940F7}"/>
-              </a:ext>
-            </a:extLst>
-          </p:cNvPr>
-          <p:cNvSpPr txBox="1"/>
-          <p:nvPr/>
-        </p:nvSpPr>
-        <p:spPr>
-          <a:xfrm>
-            <a:off x="11386215" y="17867265"/>
-            <a:ext cx="10145967" cy="1938992"/>
-          </a:xfrm>
-          <a:prstGeom prst="rect">
-            <a:avLst/>
-          </a:prstGeom>
-          <a:noFill/>
-        </p:spPr>
-        <p:txBody>
-          <a:bodyPr wrap="square" rtlCol="0">
-            <a:spAutoFit/>
-          </a:bodyPr>
-          <a:lstStyle/>
-          <a:p>
-            <a:pPr lvl="0"/>
-            <a:r>
-              <a:rPr lang="en-US" sz="2000" b="1" dirty="0"/>
-              <a:t>[</a:t>
-            </a:r>
-            <a:r>
-              <a:rPr lang="en-US" sz="2000" dirty="0"/>
-              <a:t>1] U. S. </a:t>
-            </a:r>
-            <a:r>
-              <a:rPr lang="en-US" sz="2000" dirty="0" err="1"/>
-              <a:t>Shanthamallu</a:t>
-            </a:r>
-            <a:r>
-              <a:rPr lang="en-US" sz="2000" dirty="0"/>
-              <a:t>, A. Spanias, C. </a:t>
-            </a:r>
-            <a:r>
-              <a:rPr lang="en-US" sz="2000" dirty="0" err="1"/>
-              <a:t>Tepedelenlioglu</a:t>
-            </a:r>
-            <a:r>
-              <a:rPr lang="en-US" sz="2000" dirty="0"/>
-              <a:t>, and M. Stanley, “A brief survey of machine learning methods and their sensor and IoT applications,” in IEEE IISA, </a:t>
-            </a:r>
-            <a:r>
-              <a:rPr lang="en-US" sz="2000" dirty="0" err="1"/>
-              <a:t>Larnaca</a:t>
-            </a:r>
-            <a:r>
-              <a:rPr lang="en-US" sz="2000" dirty="0"/>
-              <a:t>, Cyprus, 2017.</a:t>
-            </a:r>
-          </a:p>
-          <a:p>
-            <a:pPr lvl="0"/>
-            <a:r>
-              <a:rPr lang="en-US" sz="2000" dirty="0"/>
-              <a:t>[2] S. Rao, A. Spanias, and C. </a:t>
-            </a:r>
-            <a:r>
-              <a:rPr lang="en-US" sz="2000" dirty="0" err="1"/>
-              <a:t>Tepedelenlioglu</a:t>
-            </a:r>
-            <a:r>
-              <a:rPr lang="en-US" sz="2000" dirty="0"/>
-              <a:t>, “Solar Array Fault Detection using Neural Networks,” in ICPS, Taipei, Taiwan, pp. 196–200, May 2019.</a:t>
-            </a:r>
-          </a:p>
-          <a:p>
-            <a:pPr lvl="0"/>
-            <a:r>
-              <a:rPr lang="en-US" sz="2000" dirty="0"/>
-              <a:t>[3] K. Jaskie, D. Smith, and A. Spanias, “Deep Learning Networks for Vectorized Energy Load Forecasting,” in IISA, Piraeus, Greece, 2020.</a:t>
-            </a:r>
-            <a:endParaRPr lang="en-US" sz="4400" dirty="0"/>
-          </a:p>
-        </p:txBody>
-      </p:sp>
-      <p:pic>
-        <p:nvPicPr>
-          <p:cNvPr id="5" name="Picture 4" descr="A screen shot of a group of people posing for a photo&#10;&#10;Description automatically generated">
-            <a:extLst>
-              <a:ext uri="{FF2B5EF4-FFF2-40B4-BE49-F238E27FC236}">
-                <a16:creationId xmlns:a16="http://schemas.microsoft.com/office/drawing/2014/main" id="{21FB70E2-3BBB-4DD9-9FE9-2E838BD51DEA}"/>
-              </a:ext>
-            </a:extLst>
-          </p:cNvPr>
-          <p:cNvPicPr>
-            <a:picLocks noChangeAspect="1"/>
-          </p:cNvPicPr>
-          <p:nvPr/>
-        </p:nvPicPr>
-        <p:blipFill>
-          <a:blip r:embed="rId9">
-            <a:extLst>
-              <a:ext uri="{28A0092B-C50C-407E-A947-70E740481C1C}">
-                <a14:useLocalDpi xmlns:a14="http://schemas.microsoft.com/office/drawing/2010/main" val="0"/>
-              </a:ext>
-            </a:extLst>
-          </a:blip>
-          <a:stretch>
-            <a:fillRect/>
-          </a:stretch>
-        </p:blipFill>
-        <p:spPr>
-          <a:xfrm>
-            <a:off x="1472930" y="7911230"/>
-            <a:ext cx="8876505" cy="3773844"/>
-          </a:xfrm>
-          <a:prstGeom prst="rect">
-            <a:avLst/>
-          </a:prstGeom>
-        </p:spPr>
-      </p:pic>
-      <p:pic>
-        <p:nvPicPr>
-          <p:cNvPr id="1026" name="Picture 2">
-            <a:extLst>
-              <a:ext uri="{FF2B5EF4-FFF2-40B4-BE49-F238E27FC236}">
-                <a16:creationId xmlns:a16="http://schemas.microsoft.com/office/drawing/2014/main" id="{C0E99995-D25B-CA0B-CC75-6290BC159F2C}"/>
-              </a:ext>
-            </a:extLst>
-          </p:cNvPr>
-          <p:cNvPicPr>
-            <a:picLocks noChangeAspect="1" noChangeArrowheads="1"/>
-          </p:cNvPicPr>
-          <p:nvPr/>
-        </p:nvPicPr>
-        <p:blipFill>
-          <a:blip r:embed="rId10" cstate="print">
-            <a:extLst>
-              <a:ext uri="{28A0092B-C50C-407E-A947-70E740481C1C}">
-                <a14:useLocalDpi xmlns:a14="http://schemas.microsoft.com/office/drawing/2010/main" val="0"/>
-              </a:ext>
-            </a:extLst>
-          </a:blip>
-          <a:srcRect/>
-          <a:stretch>
-            <a:fillRect/>
-          </a:stretch>
-        </p:blipFill>
-        <p:spPr bwMode="auto">
-          <a:xfrm>
-            <a:off x="30979029" y="20205404"/>
-            <a:ext cx="1364730" cy="1371600"/>
-          </a:xfrm>
-          <a:prstGeom prst="rect">
-            <a:avLst/>
-          </a:prstGeom>
-          <a:noFill/>
-          <a:extLst>
-            <a:ext uri="{909E8E84-426E-40DD-AFC4-6F175D3DCCD1}">
-              <a14:hiddenFill xmlns:a14="http://schemas.microsoft.com/office/drawing/2010/main">
-                <a:solidFill>
-                  <a:srgbClr val="FFFFFF"/>
-                </a:solidFill>
-              </a14:hiddenFill>
-            </a:ext>
-          </a:extLst>
-        </p:spPr>
-      </p:pic>
+              <a:rPr lang="en-US" sz="2200" b="1" dirty="0"/>
+              <a:t>Input Cube (2D Slice)</a:t>
+            </a:r>
+          </a:p>
+        </p:txBody>
+      </p:sp>
     </p:spTree>
     <p:extLst>
       <p:ext uri="{BB962C8B-B14F-4D97-AF65-F5344CB8AC3E}">

--- a/presentations/2024 QML REU Poster Chris Su.pptx
+++ b/presentations/2024 QML REU Poster Chris Su.pptx
@@ -1451,7 +1451,7 @@
             <a:fld id="{5C50EF64-D5DE-48B4-BAF1-64DE62986A92}" type="datetimeFigureOut">
               <a:rPr lang="en-US" smtClean="0"/>
               <a:pPr/>
-              <a:t>6/13/24</a:t>
+              <a:t>6/14/24</a:t>
             </a:fld>
             <a:endParaRPr lang="en-US"/>
           </a:p>
@@ -1728,7 +1728,7 @@
             <a:fld id="{5C50EF64-D5DE-48B4-BAF1-64DE62986A92}" type="datetimeFigureOut">
               <a:rPr lang="en-US" smtClean="0"/>
               <a:pPr/>
-              <a:t>6/13/24</a:t>
+              <a:t>6/14/24</a:t>
             </a:fld>
             <a:endParaRPr lang="en-US"/>
           </a:p>
@@ -1982,7 +1982,7 @@
             <a:fld id="{5C50EF64-D5DE-48B4-BAF1-64DE62986A92}" type="datetimeFigureOut">
               <a:rPr lang="en-US" smtClean="0"/>
               <a:pPr/>
-              <a:t>6/13/24</a:t>
+              <a:t>6/14/24</a:t>
             </a:fld>
             <a:endParaRPr lang="en-US"/>
           </a:p>
@@ -2152,7 +2152,7 @@
             <a:fld id="{5C50EF64-D5DE-48B4-BAF1-64DE62986A92}" type="datetimeFigureOut">
               <a:rPr lang="en-US" smtClean="0"/>
               <a:pPr/>
-              <a:t>6/13/24</a:t>
+              <a:t>6/14/24</a:t>
             </a:fld>
             <a:endParaRPr lang="en-US"/>
           </a:p>
@@ -2332,7 +2332,7 @@
             <a:fld id="{5C50EF64-D5DE-48B4-BAF1-64DE62986A92}" type="datetimeFigureOut">
               <a:rPr lang="en-US" smtClean="0"/>
               <a:pPr/>
-              <a:t>6/13/24</a:t>
+              <a:t>6/14/24</a:t>
             </a:fld>
             <a:endParaRPr lang="en-US"/>
           </a:p>
@@ -2451,7 +2451,7 @@
             <a:fld id="{5C50EF64-D5DE-48B4-BAF1-64DE62986A92}" type="datetimeFigureOut">
               <a:rPr lang="en-US" smtClean="0"/>
               <a:pPr/>
-              <a:t>6/13/24</a:t>
+              <a:t>6/14/24</a:t>
             </a:fld>
             <a:endParaRPr lang="en-US"/>
           </a:p>
@@ -2570,7 +2570,7 @@
             <a:fld id="{985D6BDF-9D0E-4E2B-85B8-D8F4790360C9}" type="datetimeFigureOut">
               <a:rPr lang="en-US" smtClean="0"/>
               <a:pPr/>
-              <a:t>6/13/24</a:t>
+              <a:t>6/14/24</a:t>
             </a:fld>
             <a:endParaRPr lang="en-US" dirty="0"/>
           </a:p>
@@ -2740,7 +2740,7 @@
             <a:fld id="{985D6BDF-9D0E-4E2B-85B8-D8F4790360C9}" type="datetimeFigureOut">
               <a:rPr lang="en-US" smtClean="0"/>
               <a:pPr/>
-              <a:t>6/13/24</a:t>
+              <a:t>6/14/24</a:t>
             </a:fld>
             <a:endParaRPr lang="en-US" dirty="0"/>
           </a:p>
@@ -2932,7 +2932,7 @@
             <a:fld id="{5C50EF64-D5DE-48B4-BAF1-64DE62986A92}" type="datetimeFigureOut">
               <a:rPr lang="en-US" smtClean="0"/>
               <a:pPr/>
-              <a:t>6/13/24</a:t>
+              <a:t>6/14/24</a:t>
             </a:fld>
             <a:endParaRPr lang="en-US"/>
           </a:p>
@@ -3102,7 +3102,7 @@
             <a:fld id="{5C50EF64-D5DE-48B4-BAF1-64DE62986A92}" type="datetimeFigureOut">
               <a:rPr lang="en-US" smtClean="0"/>
               <a:pPr/>
-              <a:t>6/13/24</a:t>
+              <a:t>6/14/24</a:t>
             </a:fld>
             <a:endParaRPr lang="en-US"/>
           </a:p>
@@ -3349,7 +3349,7 @@
             <a:fld id="{5C50EF64-D5DE-48B4-BAF1-64DE62986A92}" type="datetimeFigureOut">
               <a:rPr lang="en-US" smtClean="0"/>
               <a:pPr/>
-              <a:t>6/13/24</a:t>
+              <a:t>6/14/24</a:t>
             </a:fld>
             <a:endParaRPr lang="en-US"/>
           </a:p>
@@ -3580,7 +3580,7 @@
             <a:fld id="{5C50EF64-D5DE-48B4-BAF1-64DE62986A92}" type="datetimeFigureOut">
               <a:rPr lang="en-US" smtClean="0"/>
               <a:pPr/>
-              <a:t>6/13/24</a:t>
+              <a:t>6/14/24</a:t>
             </a:fld>
             <a:endParaRPr lang="en-US"/>
           </a:p>
@@ -3946,7 +3946,7 @@
             <a:fld id="{5C50EF64-D5DE-48B4-BAF1-64DE62986A92}" type="datetimeFigureOut">
               <a:rPr lang="en-US" smtClean="0"/>
               <a:pPr/>
-              <a:t>6/13/24</a:t>
+              <a:t>6/14/24</a:t>
             </a:fld>
             <a:endParaRPr lang="en-US"/>
           </a:p>
@@ -4065,7 +4065,7 @@
             <a:fld id="{5C50EF64-D5DE-48B4-BAF1-64DE62986A92}" type="datetimeFigureOut">
               <a:rPr lang="en-US" smtClean="0"/>
               <a:pPr/>
-              <a:t>6/13/24</a:t>
+              <a:t>6/14/24</a:t>
             </a:fld>
             <a:endParaRPr lang="en-US"/>
           </a:p>
@@ -4278,7 +4278,7 @@
             <a:fld id="{985D6BDF-9D0E-4E2B-85B8-D8F4790360C9}" type="datetimeFigureOut">
               <a:rPr lang="en-US" smtClean="0"/>
               <a:pPr/>
-              <a:t>6/13/24</a:t>
+              <a:t>6/14/24</a:t>
             </a:fld>
             <a:endParaRPr lang="en-US" dirty="0"/>
           </a:p>
@@ -4780,7 +4780,7 @@
             <a:fld id="{5C50EF64-D5DE-48B4-BAF1-64DE62986A92}" type="datetimeFigureOut">
               <a:rPr lang="en-US" smtClean="0"/>
               <a:pPr/>
-              <a:t>6/13/24</a:t>
+              <a:t>6/14/24</a:t>
             </a:fld>
             <a:endParaRPr lang="en-US"/>
           </a:p>
@@ -5171,7 +5171,7 @@
 </file>
 
 <file path=ppt/slides/slide1.xml><?xml version="1.0" encoding="utf-8"?>
-<p:sld xmlns:a="http://schemas.openxmlformats.org/drawingml/2006/main" xmlns:r="http://schemas.openxmlformats.org/officeDocument/2006/relationships" xmlns:p="http://schemas.openxmlformats.org/presentationml/2006/main" showMasterSp="0" show="0">
+<p:sld xmlns:a="http://schemas.openxmlformats.org/drawingml/2006/main" xmlns:r="http://schemas.openxmlformats.org/officeDocument/2006/relationships" xmlns:p="http://schemas.openxmlformats.org/presentationml/2006/main" showMasterSp="0">
   <p:cSld>
     <p:spTree>
       <p:nvGrpSpPr>
@@ -5500,7 +5500,7 @@
                 <a:ea typeface="+mn-ea"/>
                 <a:cs typeface="+mn-cs"/>
               </a:rPr>
-              <a:t>[1][4]</a:t>
+              <a:t>[1]</a:t>
             </a:r>
             <a:r>
               <a:rPr kumimoji="0" lang="en-US" sz="3600" b="0" i="0" u="none" strike="noStrike" kern="1200" cap="none" spc="0" normalizeH="0" baseline="0" noProof="0" dirty="0">
@@ -5551,7 +5551,16 @@
                 <a:ea typeface="+mn-ea"/>
                 <a:cs typeface="+mn-cs"/>
               </a:rPr>
-              <a:t>[1][3]</a:t>
+              <a:t>[</a:t>
+            </a:r>
+            <a:r>
+              <a:rPr lang="en-US" sz="3600" baseline="30000" dirty="0">
+                <a:solidFill>
+                  <a:srgbClr val="292934"/>
+                </a:solidFill>
+                <a:latin typeface="Calibri"/>
+              </a:rPr>
+              <a:t>3]</a:t>
             </a:r>
             <a:r>
               <a:rPr kumimoji="0" lang="en-US" sz="3600" b="0" i="0" u="none" strike="noStrike" kern="1200" cap="none" spc="0" normalizeH="0" baseline="0" noProof="0" dirty="0">
@@ -5619,7 +5628,7 @@
                 <a:ea typeface="+mn-ea"/>
                 <a:cs typeface="+mn-cs"/>
               </a:rPr>
-              <a:t>[1][3]</a:t>
+              <a:t>[3]</a:t>
             </a:r>
             <a:r>
               <a:rPr kumimoji="0" lang="en-US" sz="3600" b="0" i="0" u="none" strike="noStrike" kern="1200" cap="none" spc="0" normalizeH="0" baseline="0" noProof="0" dirty="0">
@@ -6143,7 +6152,29 @@
                 <a:uLnTx/>
                 <a:uFillTx/>
               </a:rPr>
-              <a:t>: for classification tasks, we refer to PRAUC score</a:t>
+              <a:t>: for classification tasks, we refer to </a:t>
+            </a:r>
+            <a:r>
+              <a:rPr lang="en-US" sz="2400" kern="0" dirty="0">
+                <a:solidFill>
+                  <a:srgbClr val="292934"/>
+                </a:solidFill>
+              </a:rPr>
+              <a:t>AUC-PR</a:t>
+            </a:r>
+            <a:r>
+              <a:rPr kumimoji="0" lang="en-US" sz="2400" b="0" i="0" u="none" strike="noStrike" kern="0" cap="none" spc="0" normalizeH="0" baseline="0" noProof="0" dirty="0">
+                <a:ln>
+                  <a:noFill/>
+                </a:ln>
+                <a:solidFill>
+                  <a:srgbClr val="292934"/>
+                </a:solidFill>
+                <a:effectLst/>
+                <a:uLnTx/>
+                <a:uFillTx/>
+              </a:rPr>
+              <a:t> score</a:t>
             </a:r>
           </a:p>
         </p:txBody>
@@ -6598,7 +6629,7 @@
               <a:tabLst/>
               <a:defRPr/>
             </a:pPr>
-            <a:endParaRPr kumimoji="0" lang="en-US" sz="3456" b="0" i="0" u="none" strike="noStrike" kern="0" cap="none" spc="0" normalizeH="0" baseline="0" noProof="0">
+            <a:endParaRPr kumimoji="0" lang="en-US" sz="3456" b="0" i="0" u="none" strike="noStrike" kern="0" cap="none" spc="0" normalizeH="0" baseline="0" noProof="0" dirty="0">
               <a:ln>
                 <a:noFill/>
               </a:ln>
@@ -6859,7 +6890,7 @@
                 <a:ea typeface="+mn-ea"/>
                 <a:cs typeface="+mn-cs"/>
               </a:rPr>
-              <a:t>[1]Imaging Lyceum Lab, [2] </a:t>
+              <a:t>[1] Carnegie Mellon University, [2] </a:t>
             </a:r>
             <a:r>
               <a:rPr kumimoji="0" lang="en-US" sz="3600" b="0" i="1" u="none" strike="noStrike" kern="1200" cap="none" spc="0" normalizeH="0" baseline="0" noProof="0" dirty="0" err="1">
@@ -6893,7 +6924,7 @@
                 <a:ea typeface="+mn-ea"/>
                 <a:cs typeface="+mn-cs"/>
               </a:rPr>
-              <a:t> Center, [3] Arizona State University, [4] Carnegie Mellon University</a:t>
+              <a:t> Center, [3] Arizona State University</a:t>
             </a:r>
             <a:endParaRPr kumimoji="0" lang="en-US" sz="3600" b="0" i="1" u="none" strike="noStrike" kern="1200" cap="none" spc="0" normalizeH="0" baseline="30000" noProof="0" dirty="0">
               <a:ln>
@@ -9553,8 +9584,8 @@
         </p:nvSpPr>
         <p:spPr>
           <a:xfrm>
-            <a:off x="11177957" y="16932834"/>
-            <a:ext cx="10145967" cy="2985433"/>
+            <a:off x="11177957" y="16905336"/>
+            <a:ext cx="10145967" cy="3293209"/>
           </a:xfrm>
           <a:prstGeom prst="rect">
             <a:avLst/>
@@ -9568,12 +9599,8 @@
           <a:lstStyle/>
           <a:p>
             <a:r>
-              <a:rPr lang="en-US" sz="2400" dirty="0"/>
-              <a:t>[1] </a:t>
-            </a:r>
-            <a:r>
               <a:rPr lang="en-US" sz="2000" dirty="0"/>
-              <a:t>G. </a:t>
+              <a:t>[1] G. </a:t>
             </a:r>
             <a:r>
               <a:rPr lang="en-US" sz="2000" dirty="0" err="1"/>
@@ -9588,27 +9615,16 @@
                 <a:effectLst/>
                 <a:latin typeface="NimbusRomNo9L"/>
               </a:rPr>
-              <a:t>Volumetric Hadamard Normalization for Sub-Bottom SAS ATR”</a:t>
-            </a:r>
-            <a:endParaRPr lang="en-US" sz="2400" dirty="0">
-              <a:effectLst/>
-              <a:latin typeface="NimbusRomNo9L"/>
-            </a:endParaRPr>
-          </a:p>
-          <a:p>
-            <a:r>
-              <a:rPr lang="en-US" sz="2400" dirty="0">
-                <a:effectLst/>
-                <a:latin typeface="NimbusRomNo9L"/>
-              </a:rPr>
-              <a:t>[2] </a:t>
-            </a:r>
+              <a:t>Volumetric Hadamard Normalization for Sub-Bottom SAS ATR” [Submitted to the Journal of Oceanic Engineering]</a:t>
+            </a:r>
+          </a:p>
+          <a:p>
             <a:r>
               <a:rPr lang="en-US" sz="2000" dirty="0">
                 <a:effectLst/>
                 <a:latin typeface="NimbusRomNo9L"/>
               </a:rPr>
-              <a:t>D. Williams and D. Brown, “New target detection algorithms for volumetric synthetic aperture sonar data,” </a:t>
+              <a:t>[2] D. Williams and D. Brown, “New target detection algorithms for volumetric synthetic aperture sonar data,” </a:t>
             </a:r>
             <a:r>
               <a:rPr lang="en-US" sz="2000" i="1" dirty="0">
